--- a/Rust.pptx
+++ b/Rust.pptx
@@ -1,6 +1,6 @@
 
 <file path=ppt/presentation.xml><?xml version="1.0" encoding="utf-8"?>
-<p:presentation xmlns:a="http://schemas.openxmlformats.org/drawingml/2006/main" xmlns:r="http://schemas.openxmlformats.org/officeDocument/2006/relationships" xmlns:p="http://schemas.openxmlformats.org/presentationml/2006/main" saveSubsetFonts="1">
+<p:presentation xmlns:a="http://schemas.openxmlformats.org/drawingml/2006/main" xmlns:r="http://schemas.openxmlformats.org/officeDocument/2006/relationships" xmlns:p="http://schemas.openxmlformats.org/presentationml/2006/main" embedTrueTypeFonts="1">
   <p:sldMasterIdLst>
     <p:sldMasterId id="2147483708" r:id="rId1"/>
   </p:sldMasterIdLst>
@@ -39,6 +39,27 @@
   </p:sldIdLst>
   <p:sldSz cx="12192000" cy="6858000"/>
   <p:notesSz cx="6858000" cy="9144000"/>
+  <p:embeddedFontLst>
+    <p:embeddedFont>
+      <p:font typeface="Hack" panose="020B0609030202020204" pitchFamily="49" charset="0"/>
+      <p:regular r:id="rId33"/>
+      <p:bold r:id="rId34"/>
+      <p:italic r:id="rId35"/>
+      <p:boldItalic r:id="rId36"/>
+    </p:embeddedFont>
+    <p:embeddedFont>
+      <p:font typeface="Lato" panose="020F0502020204030203" pitchFamily="34" charset="0"/>
+      <p:regular r:id="rId37"/>
+      <p:bold r:id="rId38"/>
+    </p:embeddedFont>
+    <p:embeddedFont>
+      <p:font typeface="Trebuchet MS" panose="020B0603020202020204" pitchFamily="34" charset="0"/>
+      <p:regular r:id="rId39"/>
+      <p:bold r:id="rId40"/>
+      <p:italic r:id="rId41"/>
+      <p:boldItalic r:id="rId42"/>
+    </p:embeddedFont>
+  </p:embeddedFontLst>
   <p:defaultTextStyle>
     <a:defPPr>
       <a:defRPr lang="en-US"/>
@@ -134,6 +155,11 @@
       </a:defRPr>
     </a:lvl9pPr>
   </p:defaultTextStyle>
+  <p:extLst>
+    <p:ext uri="{EFAFB233-063F-42B5-8137-9DF3F51BA10A}">
+      <p15:sldGuideLst xmlns:p15="http://schemas.microsoft.com/office/powerpoint/2012/main"/>
+    </p:ext>
+  </p:extLst>
 </p:presentation>
 </file>
 
@@ -12485,20 +12511,12 @@
           </a:p>
           <a:p>
             <a:r>
-              <a:rPr lang="en-US">
-                <a:latin typeface="+mj-lt"/>
-                <a:ea typeface="Hack" panose="020B0609030202020204" pitchFamily="49" charset="0"/>
-                <a:cs typeface="Hack" panose="020B0609030202020204" pitchFamily="49" charset="0"/>
-              </a:rPr>
-              <a:t>Traits</a:t>
-            </a:r>
-            <a:r>
               <a:rPr lang="en-US" dirty="0">
                 <a:latin typeface="+mj-lt"/>
                 <a:ea typeface="Hack" panose="020B0609030202020204" pitchFamily="49" charset="0"/>
                 <a:cs typeface="Hack" panose="020B0609030202020204" pitchFamily="49" charset="0"/>
               </a:rPr>
-              <a:t>: adding methods to structs externally, can’t declare methods inside a struct declaration. </a:t>
+              <a:t>Traits: adding methods to structs externally, can’t declare methods inside a struct declaration. </a:t>
             </a:r>
           </a:p>
           <a:p>
@@ -12508,17 +12526,41 @@
                 <a:ea typeface="Hack" panose="020B0609030202020204" pitchFamily="49" charset="0"/>
                 <a:cs typeface="Hack" panose="020B0609030202020204" pitchFamily="49" charset="0"/>
               </a:rPr>
-              <a:t>Use of pub and privacy by default</a:t>
-            </a:r>
-          </a:p>
-          <a:p>
+              <a:t>Use of </a:t>
+            </a:r>
+            <a:r>
+              <a:rPr lang="en-US" dirty="0">
+                <a:latin typeface="Hack" panose="020B0609030202020204" pitchFamily="49" charset="0"/>
+                <a:ea typeface="Hack" panose="020B0609030202020204" pitchFamily="49" charset="0"/>
+                <a:cs typeface="Hack" panose="020B0609030202020204" pitchFamily="49" charset="0"/>
+              </a:rPr>
+              <a:t>pub</a:t>
+            </a:r>
             <a:r>
               <a:rPr lang="en-US" dirty="0">
                 <a:latin typeface="+mj-lt"/>
                 <a:ea typeface="Hack" panose="020B0609030202020204" pitchFamily="49" charset="0"/>
                 <a:cs typeface="Hack" panose="020B0609030202020204" pitchFamily="49" charset="0"/>
               </a:rPr>
-              <a:t>mut keyword</a:t>
+              <a:t> and privacy by default</a:t>
+            </a:r>
+          </a:p>
+          <a:p>
+            <a:r>
+              <a:rPr lang="en-US" dirty="0">
+                <a:latin typeface="Hack" panose="020B0609030202020204" pitchFamily="49" charset="0"/>
+                <a:ea typeface="Hack" panose="020B0609030202020204" pitchFamily="49" charset="0"/>
+                <a:cs typeface="Hack" panose="020B0609030202020204" pitchFamily="49" charset="0"/>
+              </a:rPr>
+              <a:t>mut</a:t>
+            </a:r>
+            <a:r>
+              <a:rPr lang="en-US" dirty="0">
+                <a:latin typeface="+mj-lt"/>
+                <a:ea typeface="Hack" panose="020B0609030202020204" pitchFamily="49" charset="0"/>
+                <a:cs typeface="Hack" panose="020B0609030202020204" pitchFamily="49" charset="0"/>
+              </a:rPr>
+              <a:t> keyword</a:t>
             </a:r>
           </a:p>
           <a:p>

--- a/Rust.pptx
+++ b/Rust.pptx
@@ -10505,8 +10505,13 @@
           <a:p>
             <a:r>
               <a:rPr lang="en-US" dirty="0"/>
-              <a:t>Voted “most loved programing language” in Stack Overflow’s annual developer survey since 2016.</a:t>
-            </a:r>
+              <a:t>Voted “most loved programing language” in Stack Overflow’s annual developer survey since </a:t>
+            </a:r>
+            <a:r>
+              <a:rPr lang="en-US"/>
+              <a:t>2016. </a:t>
+            </a:r>
+            <a:endParaRPr lang="en-US" dirty="0"/>
           </a:p>
         </p:txBody>
       </p:sp>

--- a/Rust.pptx
+++ b/Rust.pptx
@@ -33,33 +33,34 @@
     <p:sldId id="269" r:id="rId27"/>
     <p:sldId id="274" r:id="rId28"/>
     <p:sldId id="262" r:id="rId29"/>
-    <p:sldId id="285" r:id="rId30"/>
-    <p:sldId id="286" r:id="rId31"/>
-    <p:sldId id="287" r:id="rId32"/>
-    <p:sldId id="289" r:id="rId33"/>
-    <p:sldId id="288" r:id="rId34"/>
-    <p:sldId id="258" r:id="rId35"/>
+    <p:sldId id="287" r:id="rId30"/>
+    <p:sldId id="289" r:id="rId31"/>
+    <p:sldId id="288" r:id="rId32"/>
+    <p:sldId id="285" r:id="rId33"/>
+    <p:sldId id="286" r:id="rId34"/>
+    <p:sldId id="290" r:id="rId35"/>
+    <p:sldId id="258" r:id="rId36"/>
   </p:sldIdLst>
   <p:sldSz cx="12192000" cy="6858000"/>
   <p:notesSz cx="6858000" cy="9144000"/>
   <p:embeddedFontLst>
     <p:embeddedFont>
       <p:font typeface="Andale Mono" panose="020B0509000000000004" pitchFamily="49" charset="0"/>
-      <p:regular r:id="rId36"/>
+      <p:regular r:id="rId37"/>
     </p:embeddedFont>
     <p:embeddedFont>
       <p:font typeface="Hack" panose="020B0609030202020204" pitchFamily="49" charset="0"/>
-      <p:regular r:id="rId37"/>
-      <p:bold r:id="rId38"/>
-      <p:italic r:id="rId39"/>
-      <p:boldItalic r:id="rId40"/>
+      <p:regular r:id="rId38"/>
+      <p:bold r:id="rId39"/>
+      <p:italic r:id="rId40"/>
+      <p:boldItalic r:id="rId41"/>
     </p:embeddedFont>
     <p:embeddedFont>
       <p:font typeface="Trebuchet MS" panose="020B0703020202090204" pitchFamily="34" charset="0"/>
-      <p:regular r:id="rId41"/>
-      <p:bold r:id="rId42"/>
-      <p:italic r:id="rId43"/>
-      <p:boldItalic r:id="rId44"/>
+      <p:regular r:id="rId42"/>
+      <p:bold r:id="rId43"/>
+      <p:italic r:id="rId44"/>
+      <p:boldItalic r:id="rId45"/>
     </p:embeddedFont>
   </p:embeddedFontLst>
   <p:defaultTextStyle>
@@ -7950,7 +7951,7 @@
             </a:pPr>
             <a:r>
               <a:rPr lang="en-US" sz="2000" dirty="0"/>
-              <a:t>Functions parameters must have types associated with them. There are no optional or variadic functions in Rust. The </a:t>
+              <a:t>Function parameters must have types associated with them. There are no optional or variadic functions in Rust. The </a:t>
             </a:r>
             <a:r>
               <a:rPr lang="en-US" sz="2000" dirty="0">
@@ -9416,7 +9417,7 @@
                 <a:ea typeface="Hack" panose="020B0609030202020204" pitchFamily="49" charset="0"/>
                 <a:cs typeface="Hack" panose="020B0609030202020204" pitchFamily="49" charset="0"/>
               </a:rPr>
-              <a:t> is a mutable (if declared as such), resizable array of characters which can be modified in place like Java’s </a:t>
+              <a:t> is a mutable (if declared as such) and resizable array of characters which can be modified in place like Java’s </a:t>
             </a:r>
             <a:r>
               <a:rPr lang="en-US" sz="1800" dirty="0">
@@ -9664,7 +9665,7 @@
             </a:pPr>
             <a:r>
               <a:rPr lang="en-US" sz="2000" dirty="0"/>
-              <a:t>This is a nuisance on purpose. Mutability is known to cause side effects and can be particularly problematic in concurrency.</a:t>
+              <a:t>This is a nuisance on purpose. Mutability is known to cause side effects and can be particularly problematic in concurrent applications.</a:t>
             </a:r>
           </a:p>
         </p:txBody>
@@ -10505,7 +10506,7 @@
           <a:p>
             <a:r>
               <a:rPr lang="en-US" dirty="0"/>
-              <a:t>Voted “most loved programing language” in Stack Overflow’s annual developer survey since 2016.</a:t>
+              <a:t>Voted “most loved programing language” in Stack Overflow’s annual developer survey since 2016. </a:t>
             </a:r>
           </a:p>
         </p:txBody>
@@ -10804,7 +10805,7 @@
                 <a:ea typeface="Hack" panose="020B0609030202020204" pitchFamily="49" charset="0"/>
                 <a:cs typeface="Hack" panose="020B0609030202020204" pitchFamily="49" charset="0"/>
               </a:rPr>
-              <a:t>, but many complicate structs will implement a constructor.</a:t>
+              <a:t>, but many complicated structs will implement a constructor.</a:t>
             </a:r>
           </a:p>
           <a:p>
@@ -11041,7 +11042,7 @@
             </a:pPr>
             <a:r>
               <a:rPr lang="en-US" sz="1800" dirty="0"/>
-              <a:t>Rust avoid null pointers and instead uses </a:t>
+              <a:t>Rust avoids null pointers and instead uses </a:t>
             </a:r>
             <a:r>
               <a:rPr lang="en-US" sz="1800" dirty="0">
@@ -11082,7 +11083,7 @@
                 <a:ea typeface="Hack" panose="020B0609030202020204" pitchFamily="49" charset="0"/>
                 <a:cs typeface="Hack" panose="020B0609030202020204" pitchFamily="49" charset="0"/>
               </a:rPr>
-              <a:t>Below is a real example of a common idiom when dealing with options. </a:t>
+              <a:t>Below is a real example of a common idiom when dealing with Options. </a:t>
             </a:r>
             <a:r>
               <a:rPr lang="en-US" sz="1800" dirty="0">
@@ -11264,7 +11265,7 @@
             </a:pPr>
             <a:r>
               <a:rPr lang="en-US" sz="1800" dirty="0"/>
-              <a:t>This is an example of how to verify that a result’s contents are ok before accessing them.</a:t>
+              <a:t>This is an example of how to verify that a Result’s contents are ok before accessing them.</a:t>
             </a:r>
           </a:p>
         </p:txBody>
@@ -11410,7 +11411,7 @@
           <a:p>
             <a:r>
               <a:rPr lang="en-US" dirty="0"/>
-              <a:t>Lifetime and borrowing</a:t>
+              <a:t>Lifetime and Borrowing/Ownership</a:t>
             </a:r>
           </a:p>
         </p:txBody>
@@ -12692,7 +12693,7 @@
           <p:cNvPr id="2" name="Title 1">
             <a:extLst>
               <a:ext uri="{FF2B5EF4-FFF2-40B4-BE49-F238E27FC236}">
-                <a16:creationId xmlns:a16="http://schemas.microsoft.com/office/drawing/2014/main" id="{9229E639-BCD7-4ECB-8462-CF388FB4DD08}"/>
+                <a16:creationId xmlns:a16="http://schemas.microsoft.com/office/drawing/2014/main" id="{B5BA7D03-4D9F-8A4E-8CDA-3CF3BA7BE50D}"/>
               </a:ext>
             </a:extLst>
           </p:cNvPr>
@@ -12710,7 +12711,7 @@
           <a:p>
             <a:r>
               <a:rPr lang="en-US" dirty="0"/>
-              <a:t>Danilo’s Opinion on Rust</a:t>
+              <a:t>Project </a:t>
             </a:r>
           </a:p>
         </p:txBody>
@@ -12720,7 +12721,7 @@
           <p:cNvPr id="3" name="Content Placeholder 2">
             <a:extLst>
               <a:ext uri="{FF2B5EF4-FFF2-40B4-BE49-F238E27FC236}">
-                <a16:creationId xmlns:a16="http://schemas.microsoft.com/office/drawing/2014/main" id="{302325F2-61FA-4271-BF37-00DC5C43F96F}"/>
+                <a16:creationId xmlns:a16="http://schemas.microsoft.com/office/drawing/2014/main" id="{6A312E0B-4386-234E-A2F5-46114F940F2A}"/>
               </a:ext>
             </a:extLst>
           </p:cNvPr>
@@ -12733,59 +12734,70 @@
         </p:nvSpPr>
         <p:spPr>
           <a:xfrm>
-            <a:off x="680321" y="2126974"/>
-            <a:ext cx="10690044" cy="4552121"/>
-          </a:xfrm>
-        </p:spPr>
-        <p:txBody>
-          <a:bodyPr>
-            <a:normAutofit/>
-          </a:bodyPr>
+            <a:off x="680321" y="2175508"/>
+            <a:ext cx="9613861" cy="3599316"/>
+          </a:xfrm>
+        </p:spPr>
+        <p:txBody>
+          <a:bodyPr/>
           <a:lstStyle/>
           <a:p>
+            <a:pPr fontAlgn="base"/>
             <a:r>
               <a:rPr lang="en-US" dirty="0"/>
-              <a:t>Rust is unlike any other language I’ve ever used. Working with it can be extremely tedious as it is </a:t>
-            </a:r>
-            <a:r>
-              <a:rPr lang="en-US" i="1" dirty="0"/>
-              <a:t>very</a:t>
+              <a:t>For our project, we decided to write a Rust program that will show a </a:t>
+            </a:r>
+            <a:r>
+              <a:rPr lang="en-US" dirty="0" err="1"/>
+              <a:t>Github</a:t>
             </a:r>
             <a:r>
               <a:rPr lang="en-US" dirty="0"/>
-              <a:t> specific about how you do just about everything. However, true safety can’t come without annoyance. </a:t>
-            </a:r>
-          </a:p>
-          <a:p>
-            <a:r>
-              <a:rPr lang="en-US" dirty="0"/>
-              <a:t>I think the language is very useful for replacing unsafe legacy C code, but C is so ubiquitous that it will be an uphill battle.</a:t>
-            </a:r>
-          </a:p>
-          <a:p>
-            <a:r>
-              <a:rPr lang="en-US" dirty="0"/>
-              <a:t>Rust feels closes to C++ in syntax and developer experience, which is not really a compliment for Rust as C++ development is often very painful. However, you can know that your compiled code will work more or less as you expected, unlike C++.</a:t>
-            </a:r>
-          </a:p>
-          <a:p>
-            <a:r>
-              <a:rPr lang="en-US" dirty="0"/>
-              <a:t>I would personally recommend this language to other programmers, because I hope it sees more adoption and I like the idea behind it.</a:t>
-            </a:r>
-          </a:p>
-          <a:p>
-            <a:r>
-              <a:rPr lang="en-US" dirty="0"/>
-              <a:t>The main thing I didn’t get to experiment with is concurrency.</a:t>
-            </a:r>
-          </a:p>
-        </p:txBody>
-      </p:sp>
+              <a:t> user’s publicly available GitHub information. It might also lightly roast your repositories. Specifically, the user is given the freedom to inspect the username’s public repositories and also inspect the username’s general profile information. </a:t>
+            </a:r>
+          </a:p>
+        </p:txBody>
+      </p:sp>
+      <p:pic>
+        <p:nvPicPr>
+          <p:cNvPr id="5" name="Picture 4">
+            <a:extLst>
+              <a:ext uri="{FF2B5EF4-FFF2-40B4-BE49-F238E27FC236}">
+                <a16:creationId xmlns:a16="http://schemas.microsoft.com/office/drawing/2014/main" id="{1E6041C1-FC4C-3445-9245-ECA123E7C8A3}"/>
+              </a:ext>
+            </a:extLst>
+          </p:cNvPr>
+          <p:cNvPicPr>
+            <a:picLocks noChangeAspect="1"/>
+          </p:cNvPicPr>
+          <p:nvPr/>
+        </p:nvPicPr>
+        <p:blipFill>
+          <a:blip r:embed="rId2">
+            <a:extLst>
+              <a:ext uri="{28A0092B-C50C-407E-A947-70E740481C1C}">
+                <a14:useLocalDpi xmlns:a14="http://schemas.microsoft.com/office/drawing/2010/main" val="0"/>
+              </a:ext>
+            </a:extLst>
+          </a:blip>
+          <a:stretch>
+            <a:fillRect/>
+          </a:stretch>
+        </p:blipFill>
+        <p:spPr>
+          <a:xfrm>
+            <a:off x="2731351" y="3975166"/>
+            <a:ext cx="5511800" cy="2552700"/>
+          </a:xfrm>
+          <a:prstGeom prst="rect">
+            <a:avLst/>
+          </a:prstGeom>
+        </p:spPr>
+      </p:pic>
     </p:spTree>
     <p:extLst>
       <p:ext uri="{BB962C8B-B14F-4D97-AF65-F5344CB8AC3E}">
-        <p14:creationId xmlns:p14="http://schemas.microsoft.com/office/powerpoint/2010/main" val="934896939"/>
+        <p14:creationId xmlns:p14="http://schemas.microsoft.com/office/powerpoint/2010/main" val="1915883236"/>
       </p:ext>
     </p:extLst>
   </p:cSld>
@@ -13120,7 +13132,7 @@
           <p:cNvPr id="2" name="Title 1">
             <a:extLst>
               <a:ext uri="{FF2B5EF4-FFF2-40B4-BE49-F238E27FC236}">
-                <a16:creationId xmlns:a16="http://schemas.microsoft.com/office/drawing/2014/main" id="{9229E639-BCD7-4ECB-8462-CF388FB4DD08}"/>
+                <a16:creationId xmlns:a16="http://schemas.microsoft.com/office/drawing/2014/main" id="{7982167A-FEC7-854A-B242-9709FB18A379}"/>
               </a:ext>
             </a:extLst>
           </p:cNvPr>
@@ -13138,7 +13150,7 @@
           <a:p>
             <a:r>
               <a:rPr lang="en-US" dirty="0"/>
-              <a:t>Christian’s Opinion on Rust</a:t>
+              <a:t>Project Cont. </a:t>
             </a:r>
           </a:p>
         </p:txBody>
@@ -13148,7 +13160,7 @@
           <p:cNvPr id="3" name="Content Placeholder 2">
             <a:extLst>
               <a:ext uri="{FF2B5EF4-FFF2-40B4-BE49-F238E27FC236}">
-                <a16:creationId xmlns:a16="http://schemas.microsoft.com/office/drawing/2014/main" id="{302325F2-61FA-4271-BF37-00DC5C43F96F}"/>
+                <a16:creationId xmlns:a16="http://schemas.microsoft.com/office/drawing/2014/main" id="{8E2FCC4F-39F0-794B-A8A9-0F51FA35FEE7}"/>
               </a:ext>
             </a:extLst>
           </p:cNvPr>
@@ -13161,67 +13173,94 @@
         </p:nvSpPr>
         <p:spPr>
           <a:xfrm>
-            <a:off x="660443" y="2146852"/>
-            <a:ext cx="10988218" cy="4492486"/>
+            <a:off x="303803" y="2651521"/>
+            <a:ext cx="4650692" cy="2243208"/>
           </a:xfrm>
         </p:spPr>
         <p:txBody>
           <a:bodyPr>
-            <a:normAutofit lnSpcReduction="10000"/>
+            <a:normAutofit/>
           </a:bodyPr>
           <a:lstStyle/>
           <a:p>
+            <a:pPr marL="0" indent="0">
+              <a:buNone/>
+            </a:pPr>
             <a:r>
               <a:rPr lang="en-US" dirty="0"/>
-              <a:t>Although I became a fellow “</a:t>
+              <a:t>Chose Option 1: See my repos</a:t>
+            </a:r>
+          </a:p>
+          <a:p>
+            <a:pPr marL="0" indent="0">
+              <a:buNone/>
+            </a:pPr>
+            <a:endParaRPr lang="en-US" dirty="0"/>
+          </a:p>
+          <a:p>
+            <a:pPr marL="0" indent="0">
+              <a:buNone/>
+            </a:pPr>
+            <a:r>
+              <a:rPr lang="en-US" dirty="0"/>
+              <a:t>Shows all public repos associated with the </a:t>
             </a:r>
             <a:r>
               <a:rPr lang="en-US" dirty="0" err="1"/>
-              <a:t>Rustacean</a:t>
+              <a:t>Github</a:t>
             </a:r>
             <a:r>
               <a:rPr lang="en-US" dirty="0"/>
-              <a:t>”, I have mixed feelings about Rust. I can see the use and value of the language but the verbose and detail-oriented nature of it can make coding tedious. </a:t>
-            </a:r>
-          </a:p>
-          <a:p>
-            <a:r>
-              <a:rPr lang="en-US" dirty="0"/>
-              <a:t>I believe the language is very useful as it forces the programmer to think through their code and explicitly tell the computer what they expect. The safety component of Rust is definitely there!</a:t>
-            </a:r>
-          </a:p>
-          <a:p>
-            <a:r>
-              <a:rPr lang="en-US" dirty="0"/>
-              <a:t>Rust is nothing like Python since we must declare </a:t>
-            </a:r>
-            <a:r>
-              <a:rPr lang="en-US" i="1" dirty="0"/>
-              <a:t>everything</a:t>
-            </a:r>
-            <a:r>
-              <a:rPr lang="en-US" dirty="0"/>
-              <a:t> and be careful with what we are doing with variables (e.g., ownership and borrowing can be confusing). </a:t>
-            </a:r>
-          </a:p>
-          <a:p>
-            <a:r>
-              <a:rPr lang="en-US" dirty="0"/>
-              <a:t>I would recommend this language to other programmers only after they have some experience with C or C++, as Rust is quite similar. </a:t>
-            </a:r>
-          </a:p>
-          <a:p>
-            <a:r>
-              <a:rPr lang="en-US" dirty="0"/>
-              <a:t>Some aspects I would be interested in pursuing are concurrency, and exploring the edge cases of ownership and borrowing</a:t>
-            </a:r>
-          </a:p>
-        </p:txBody>
-      </p:sp>
+              <a:t> username </a:t>
+            </a:r>
+            <a:r>
+              <a:rPr lang="en-US" dirty="0" err="1"/>
+              <a:t>DaniloHP</a:t>
+            </a:r>
+            <a:endParaRPr lang="en-US" dirty="0"/>
+          </a:p>
+        </p:txBody>
+      </p:sp>
+      <p:pic>
+        <p:nvPicPr>
+          <p:cNvPr id="5" name="Picture 4">
+            <a:extLst>
+              <a:ext uri="{FF2B5EF4-FFF2-40B4-BE49-F238E27FC236}">
+                <a16:creationId xmlns:a16="http://schemas.microsoft.com/office/drawing/2014/main" id="{491B56EC-9285-F043-8B93-34C48BEEB54E}"/>
+              </a:ext>
+            </a:extLst>
+          </p:cNvPr>
+          <p:cNvPicPr>
+            <a:picLocks noChangeAspect="1"/>
+          </p:cNvPicPr>
+          <p:nvPr/>
+        </p:nvPicPr>
+        <p:blipFill>
+          <a:blip r:embed="rId2">
+            <a:extLst>
+              <a:ext uri="{28A0092B-C50C-407E-A947-70E740481C1C}">
+                <a14:useLocalDpi xmlns:a14="http://schemas.microsoft.com/office/drawing/2010/main" val="0"/>
+              </a:ext>
+            </a:extLst>
+          </a:blip>
+          <a:stretch>
+            <a:fillRect/>
+          </a:stretch>
+        </p:blipFill>
+        <p:spPr>
+          <a:xfrm>
+            <a:off x="5088965" y="2208226"/>
+            <a:ext cx="5080000" cy="4292600"/>
+          </a:xfrm>
+          <a:prstGeom prst="rect">
+            <a:avLst/>
+          </a:prstGeom>
+        </p:spPr>
+      </p:pic>
     </p:spTree>
     <p:extLst>
       <p:ext uri="{BB962C8B-B14F-4D97-AF65-F5344CB8AC3E}">
-        <p14:creationId xmlns:p14="http://schemas.microsoft.com/office/powerpoint/2010/main" val="1873449270"/>
+        <p14:creationId xmlns:p14="http://schemas.microsoft.com/office/powerpoint/2010/main" val="2159984866"/>
       </p:ext>
     </p:extLst>
   </p:cSld>
@@ -13253,7 +13292,7 @@
           <p:cNvPr id="2" name="Title 1">
             <a:extLst>
               <a:ext uri="{FF2B5EF4-FFF2-40B4-BE49-F238E27FC236}">
-                <a16:creationId xmlns:a16="http://schemas.microsoft.com/office/drawing/2014/main" id="{B5BA7D03-4D9F-8A4E-8CDA-3CF3BA7BE50D}"/>
+                <a16:creationId xmlns:a16="http://schemas.microsoft.com/office/drawing/2014/main" id="{62D37E79-F7F4-5641-B8CF-A640B2F20B04}"/>
               </a:ext>
             </a:extLst>
           </p:cNvPr>
@@ -13271,66 +13310,26 @@
           <a:p>
             <a:r>
               <a:rPr lang="en-US" dirty="0"/>
-              <a:t>Project </a:t>
-            </a:r>
-          </a:p>
-        </p:txBody>
-      </p:sp>
-      <p:sp>
-        <p:nvSpPr>
-          <p:cNvPr id="3" name="Content Placeholder 2">
+              <a:t>Project Cont. </a:t>
+            </a:r>
+          </a:p>
+        </p:txBody>
+      </p:sp>
+      <p:pic>
+        <p:nvPicPr>
+          <p:cNvPr id="4" name="Content Placeholder 3">
             <a:extLst>
               <a:ext uri="{FF2B5EF4-FFF2-40B4-BE49-F238E27FC236}">
-                <a16:creationId xmlns:a16="http://schemas.microsoft.com/office/drawing/2014/main" id="{6A312E0B-4386-234E-A2F5-46114F940F2A}"/>
-              </a:ext>
-            </a:extLst>
-          </p:cNvPr>
-          <p:cNvSpPr>
-            <a:spLocks noGrp="1"/>
-          </p:cNvSpPr>
-          <p:nvPr>
-            <p:ph idx="1"/>
-          </p:nvPr>
-        </p:nvSpPr>
-        <p:spPr>
-          <a:xfrm>
-            <a:off x="680321" y="2175508"/>
-            <a:ext cx="9613861" cy="3599316"/>
-          </a:xfrm>
-        </p:spPr>
-        <p:txBody>
-          <a:bodyPr/>
-          <a:lstStyle/>
-          <a:p>
-            <a:pPr fontAlgn="base"/>
-            <a:r>
-              <a:rPr lang="en-US" dirty="0"/>
-              <a:t>For our project, we decided to write a Rust program that will show a </a:t>
-            </a:r>
-            <a:r>
-              <a:rPr lang="en-US" dirty="0" err="1"/>
-              <a:t>Github</a:t>
-            </a:r>
-            <a:r>
-              <a:rPr lang="en-US" dirty="0"/>
-              <a:t> user’s publicly available GitHub information. It might also lightly roast your repositories. Specifically, the user is given the freedom to inspect the username’s public repositories and also inspect the username’s general profile information. </a:t>
-            </a:r>
-          </a:p>
-        </p:txBody>
-      </p:sp>
-      <p:pic>
-        <p:nvPicPr>
-          <p:cNvPr id="5" name="Picture 4">
-            <a:extLst>
-              <a:ext uri="{FF2B5EF4-FFF2-40B4-BE49-F238E27FC236}">
-                <a16:creationId xmlns:a16="http://schemas.microsoft.com/office/drawing/2014/main" id="{1E6041C1-FC4C-3445-9245-ECA123E7C8A3}"/>
+                <a16:creationId xmlns:a16="http://schemas.microsoft.com/office/drawing/2014/main" id="{5F12BC13-6CF0-B047-8051-01EA1F8CDB2C}"/>
               </a:ext>
             </a:extLst>
           </p:cNvPr>
           <p:cNvPicPr>
-            <a:picLocks noChangeAspect="1"/>
+            <a:picLocks noGrp="1" noChangeAspect="1"/>
           </p:cNvPicPr>
-          <p:nvPr/>
+          <p:nvPr>
+            <p:ph idx="1"/>
+          </p:nvPr>
         </p:nvPicPr>
         <p:blipFill>
           <a:blip r:embed="rId2">
@@ -13346,18 +13345,78 @@
         </p:blipFill>
         <p:spPr>
           <a:xfrm>
-            <a:off x="2731351" y="3975166"/>
-            <a:ext cx="5511800" cy="2552700"/>
+            <a:off x="4110088" y="2505909"/>
+            <a:ext cx="7710106" cy="3598863"/>
           </a:xfrm>
           <a:prstGeom prst="rect">
             <a:avLst/>
           </a:prstGeom>
         </p:spPr>
       </p:pic>
+      <p:sp>
+        <p:nvSpPr>
+          <p:cNvPr id="5" name="TextBox 4">
+            <a:extLst>
+              <a:ext uri="{FF2B5EF4-FFF2-40B4-BE49-F238E27FC236}">
+                <a16:creationId xmlns:a16="http://schemas.microsoft.com/office/drawing/2014/main" id="{2A3EDC63-0318-AF4C-8B60-ACCD02BE183C}"/>
+              </a:ext>
+            </a:extLst>
+          </p:cNvPr>
+          <p:cNvSpPr txBox="1"/>
+          <p:nvPr/>
+        </p:nvSpPr>
+        <p:spPr>
+          <a:xfrm>
+            <a:off x="371806" y="2903915"/>
+            <a:ext cx="3778622" cy="2492990"/>
+          </a:xfrm>
+          <a:prstGeom prst="rect">
+            <a:avLst/>
+          </a:prstGeom>
+          <a:noFill/>
+        </p:spPr>
+        <p:txBody>
+          <a:bodyPr wrap="square" rtlCol="0">
+            <a:spAutoFit/>
+          </a:bodyPr>
+          <a:lstStyle/>
+          <a:p>
+            <a:r>
+              <a:rPr lang="en-US" sz="2400" dirty="0"/>
+              <a:t>Chose Option 2:  See my info</a:t>
+            </a:r>
+          </a:p>
+          <a:p>
+            <a:endParaRPr lang="en-US" sz="2400" dirty="0"/>
+          </a:p>
+          <a:p>
+            <a:r>
+              <a:rPr lang="en-US" sz="2000" dirty="0"/>
+              <a:t>Shows all public information associated with the </a:t>
+            </a:r>
+            <a:r>
+              <a:rPr lang="en-US" sz="2000" dirty="0" err="1"/>
+              <a:t>Github</a:t>
+            </a:r>
+            <a:r>
+              <a:rPr lang="en-US" sz="2000" dirty="0"/>
+              <a:t> username </a:t>
+            </a:r>
+            <a:r>
+              <a:rPr lang="en-US" sz="2000" dirty="0" err="1"/>
+              <a:t>DaniloHP</a:t>
+            </a:r>
+            <a:endParaRPr lang="en-US" sz="2000" dirty="0"/>
+          </a:p>
+          <a:p>
+            <a:endParaRPr lang="en-US" sz="2400" dirty="0"/>
+          </a:p>
+        </p:txBody>
+      </p:sp>
     </p:spTree>
     <p:extLst>
       <p:ext uri="{BB962C8B-B14F-4D97-AF65-F5344CB8AC3E}">
-        <p14:creationId xmlns:p14="http://schemas.microsoft.com/office/powerpoint/2010/main" val="1915883236"/>
+        <p14:creationId xmlns:p14="http://schemas.microsoft.com/office/powerpoint/2010/main" val="1060905154"/>
       </p:ext>
     </p:extLst>
   </p:cSld>
@@ -13389,7 +13448,7 @@
           <p:cNvPr id="2" name="Title 1">
             <a:extLst>
               <a:ext uri="{FF2B5EF4-FFF2-40B4-BE49-F238E27FC236}">
-                <a16:creationId xmlns:a16="http://schemas.microsoft.com/office/drawing/2014/main" id="{7982167A-FEC7-854A-B242-9709FB18A379}"/>
+                <a16:creationId xmlns:a16="http://schemas.microsoft.com/office/drawing/2014/main" id="{9229E639-BCD7-4ECB-8462-CF388FB4DD08}"/>
               </a:ext>
             </a:extLst>
           </p:cNvPr>
@@ -13407,7 +13466,7 @@
           <a:p>
             <a:r>
               <a:rPr lang="en-US" dirty="0"/>
-              <a:t>Project Cont. </a:t>
+              <a:t>Danilo’s Opinion on Rust</a:t>
             </a:r>
           </a:p>
         </p:txBody>
@@ -13417,7 +13476,7 @@
           <p:cNvPr id="3" name="Content Placeholder 2">
             <a:extLst>
               <a:ext uri="{FF2B5EF4-FFF2-40B4-BE49-F238E27FC236}">
-                <a16:creationId xmlns:a16="http://schemas.microsoft.com/office/drawing/2014/main" id="{8E2FCC4F-39F0-794B-A8A9-0F51FA35FEE7}"/>
+                <a16:creationId xmlns:a16="http://schemas.microsoft.com/office/drawing/2014/main" id="{302325F2-61FA-4271-BF37-00DC5C43F96F}"/>
               </a:ext>
             </a:extLst>
           </p:cNvPr>
@@ -13430,8 +13489,8 @@
         </p:nvSpPr>
         <p:spPr>
           <a:xfrm>
-            <a:off x="303803" y="2651521"/>
-            <a:ext cx="4650692" cy="2243208"/>
+            <a:off x="680320" y="2069824"/>
+            <a:ext cx="10878267" cy="4552121"/>
           </a:xfrm>
         </p:spPr>
         <p:txBody>
@@ -13440,84 +13499,49 @@
           </a:bodyPr>
           <a:lstStyle/>
           <a:p>
-            <a:pPr marL="0" indent="0">
-              <a:buNone/>
-            </a:pPr>
             <a:r>
               <a:rPr lang="en-US" dirty="0"/>
-              <a:t>Chose Option 1: See my repos</a:t>
-            </a:r>
-          </a:p>
-          <a:p>
-            <a:pPr marL="0" indent="0">
-              <a:buNone/>
-            </a:pPr>
-            <a:endParaRPr lang="en-US" dirty="0"/>
-          </a:p>
-          <a:p>
-            <a:pPr marL="0" indent="0">
-              <a:buNone/>
-            </a:pPr>
+              <a:t>Rust is unlike any other language I’ve ever used. Working with it can be extremely tedious as it is </a:t>
+            </a:r>
+            <a:r>
+              <a:rPr lang="en-US" i="1" dirty="0"/>
+              <a:t>very</a:t>
+            </a:r>
             <a:r>
               <a:rPr lang="en-US" dirty="0"/>
-              <a:t>Shows all public repos associated with the </a:t>
-            </a:r>
-            <a:r>
-              <a:rPr lang="en-US" dirty="0" err="1"/>
-              <a:t>Github</a:t>
-            </a:r>
+              <a:t> specific about how you do just about everything. However, true safety can’t come without annoyance. </a:t>
+            </a:r>
+          </a:p>
+          <a:p>
             <a:r>
               <a:rPr lang="en-US" dirty="0"/>
-              <a:t> username </a:t>
-            </a:r>
-            <a:r>
-              <a:rPr lang="en-US" dirty="0" err="1"/>
-              <a:t>DaniloHP</a:t>
-            </a:r>
-            <a:endParaRPr lang="en-US" dirty="0"/>
-          </a:p>
-        </p:txBody>
-      </p:sp>
-      <p:pic>
-        <p:nvPicPr>
-          <p:cNvPr id="5" name="Picture 4">
-            <a:extLst>
-              <a:ext uri="{FF2B5EF4-FFF2-40B4-BE49-F238E27FC236}">
-                <a16:creationId xmlns:a16="http://schemas.microsoft.com/office/drawing/2014/main" id="{491B56EC-9285-F043-8B93-34C48BEEB54E}"/>
-              </a:ext>
-            </a:extLst>
-          </p:cNvPr>
-          <p:cNvPicPr>
-            <a:picLocks noChangeAspect="1"/>
-          </p:cNvPicPr>
-          <p:nvPr/>
-        </p:nvPicPr>
-        <p:blipFill>
-          <a:blip r:embed="rId2">
-            <a:extLst>
-              <a:ext uri="{28A0092B-C50C-407E-A947-70E740481C1C}">
-                <a14:useLocalDpi xmlns:a14="http://schemas.microsoft.com/office/drawing/2010/main" val="0"/>
-              </a:ext>
-            </a:extLst>
-          </a:blip>
-          <a:stretch>
-            <a:fillRect/>
-          </a:stretch>
-        </p:blipFill>
-        <p:spPr>
-          <a:xfrm>
-            <a:off x="5088965" y="2208226"/>
-            <a:ext cx="5080000" cy="4292600"/>
-          </a:xfrm>
-          <a:prstGeom prst="rect">
-            <a:avLst/>
-          </a:prstGeom>
-        </p:spPr>
-      </p:pic>
+              <a:t>I think the language is very useful for replacing unsafe legacy C code, but C is so ubiquitous that it will be an uphill battle.</a:t>
+            </a:r>
+          </a:p>
+          <a:p>
+            <a:r>
+              <a:rPr lang="en-US" dirty="0"/>
+              <a:t>Rust feels closes to C++ in syntax and developer experience, which is not really a compliment for Rust as C++ development is often very painful. However, you can know that your compiled code will work more or less as you expected, unlike C++.</a:t>
+            </a:r>
+          </a:p>
+          <a:p>
+            <a:r>
+              <a:rPr lang="en-US" dirty="0"/>
+              <a:t>I would personally recommend this language to other programmers, because I hope it sees more adoption and I like the idea behind it.</a:t>
+            </a:r>
+          </a:p>
+          <a:p>
+            <a:r>
+              <a:rPr lang="en-US" dirty="0"/>
+              <a:t>The main thing I didn’t get to experiment with is concurrency and closures.</a:t>
+            </a:r>
+          </a:p>
+        </p:txBody>
+      </p:sp>
     </p:spTree>
     <p:extLst>
       <p:ext uri="{BB962C8B-B14F-4D97-AF65-F5344CB8AC3E}">
-        <p14:creationId xmlns:p14="http://schemas.microsoft.com/office/powerpoint/2010/main" val="2159984866"/>
+        <p14:creationId xmlns:p14="http://schemas.microsoft.com/office/powerpoint/2010/main" val="934896939"/>
       </p:ext>
     </p:extLst>
   </p:cSld>
@@ -13549,7 +13573,7 @@
           <p:cNvPr id="2" name="Title 1">
             <a:extLst>
               <a:ext uri="{FF2B5EF4-FFF2-40B4-BE49-F238E27FC236}">
-                <a16:creationId xmlns:a16="http://schemas.microsoft.com/office/drawing/2014/main" id="{62D37E79-F7F4-5641-B8CF-A640B2F20B04}"/>
+                <a16:creationId xmlns:a16="http://schemas.microsoft.com/office/drawing/2014/main" id="{9229E639-BCD7-4ECB-8462-CF388FB4DD08}"/>
               </a:ext>
             </a:extLst>
           </p:cNvPr>
@@ -13567,113 +13591,90 @@
           <a:p>
             <a:r>
               <a:rPr lang="en-US" dirty="0"/>
-              <a:t>Project Cont. </a:t>
-            </a:r>
-          </a:p>
-        </p:txBody>
-      </p:sp>
-      <p:pic>
-        <p:nvPicPr>
-          <p:cNvPr id="4" name="Content Placeholder 3">
+              <a:t>Christian’s Opinion on Rust</a:t>
+            </a:r>
+          </a:p>
+        </p:txBody>
+      </p:sp>
+      <p:sp>
+        <p:nvSpPr>
+          <p:cNvPr id="3" name="Content Placeholder 2">
             <a:extLst>
               <a:ext uri="{FF2B5EF4-FFF2-40B4-BE49-F238E27FC236}">
-                <a16:creationId xmlns:a16="http://schemas.microsoft.com/office/drawing/2014/main" id="{5F12BC13-6CF0-B047-8051-01EA1F8CDB2C}"/>
+                <a16:creationId xmlns:a16="http://schemas.microsoft.com/office/drawing/2014/main" id="{302325F2-61FA-4271-BF37-00DC5C43F96F}"/>
               </a:ext>
             </a:extLst>
           </p:cNvPr>
-          <p:cNvPicPr>
-            <a:picLocks noGrp="1" noChangeAspect="1"/>
-          </p:cNvPicPr>
+          <p:cNvSpPr>
+            <a:spLocks noGrp="1"/>
+          </p:cNvSpPr>
           <p:nvPr>
             <p:ph idx="1"/>
           </p:nvPr>
-        </p:nvPicPr>
-        <p:blipFill>
-          <a:blip r:embed="rId2">
-            <a:extLst>
-              <a:ext uri="{28A0092B-C50C-407E-A947-70E740481C1C}">
-                <a14:useLocalDpi xmlns:a14="http://schemas.microsoft.com/office/drawing/2010/main" val="0"/>
-              </a:ext>
-            </a:extLst>
-          </a:blip>
-          <a:stretch>
-            <a:fillRect/>
-          </a:stretch>
-        </p:blipFill>
-        <p:spPr>
-          <a:xfrm>
-            <a:off x="4110088" y="2505909"/>
-            <a:ext cx="7710106" cy="3598863"/>
-          </a:xfrm>
-          <a:prstGeom prst="rect">
-            <a:avLst/>
-          </a:prstGeom>
-        </p:spPr>
-      </p:pic>
-      <p:sp>
-        <p:nvSpPr>
-          <p:cNvPr id="5" name="TextBox 4">
-            <a:extLst>
-              <a:ext uri="{FF2B5EF4-FFF2-40B4-BE49-F238E27FC236}">
-                <a16:creationId xmlns:a16="http://schemas.microsoft.com/office/drawing/2014/main" id="{2A3EDC63-0318-AF4C-8B60-ACCD02BE183C}"/>
-              </a:ext>
-            </a:extLst>
-          </p:cNvPr>
-          <p:cNvSpPr txBox="1"/>
-          <p:nvPr/>
-        </p:nvSpPr>
-        <p:spPr>
-          <a:xfrm>
-            <a:off x="371806" y="2903915"/>
-            <a:ext cx="3778622" cy="2492990"/>
-          </a:xfrm>
-          <a:prstGeom prst="rect">
-            <a:avLst/>
-          </a:prstGeom>
-          <a:noFill/>
-        </p:spPr>
-        <p:txBody>
-          <a:bodyPr wrap="square" rtlCol="0">
-            <a:spAutoFit/>
+        </p:nvSpPr>
+        <p:spPr>
+          <a:xfrm>
+            <a:off x="660443" y="2146852"/>
+            <a:ext cx="10988218" cy="4492486"/>
+          </a:xfrm>
+        </p:spPr>
+        <p:txBody>
+          <a:bodyPr>
+            <a:normAutofit lnSpcReduction="10000"/>
           </a:bodyPr>
           <a:lstStyle/>
           <a:p>
             <a:r>
-              <a:rPr lang="en-US" sz="2400" dirty="0"/>
-              <a:t>Chose Option 2:  See my info</a:t>
-            </a:r>
-          </a:p>
-          <a:p>
-            <a:endParaRPr lang="en-US" sz="2400" dirty="0"/>
-          </a:p>
-          <a:p>
-            <a:r>
-              <a:rPr lang="en-US" sz="2000" dirty="0"/>
-              <a:t>Shows all public information associated with the </a:t>
-            </a:r>
-            <a:r>
-              <a:rPr lang="en-US" sz="2000" dirty="0" err="1"/>
-              <a:t>Github</a:t>
-            </a:r>
-            <a:r>
-              <a:rPr lang="en-US" sz="2000" dirty="0"/>
-              <a:t> username </a:t>
-            </a:r>
-            <a:r>
-              <a:rPr lang="en-US" sz="2000" dirty="0" err="1"/>
-              <a:t>DaniloHP</a:t>
-            </a:r>
-            <a:endParaRPr lang="en-US" sz="2000" dirty="0"/>
-          </a:p>
-          <a:p>
-            <a:endParaRPr lang="en-US" sz="2400" dirty="0"/>
+              <a:rPr lang="en-US" dirty="0"/>
+              <a:t>Although I became a fellow “</a:t>
+            </a:r>
+            <a:r>
+              <a:rPr lang="en-US" dirty="0" err="1"/>
+              <a:t>Rustacean</a:t>
+            </a:r>
+            <a:r>
+              <a:rPr lang="en-US" dirty="0"/>
+              <a:t>”, I have mixed feelings about Rust. I can see the use and value of the language but the verbose and detail-oriented nature of it can make coding tedious. </a:t>
+            </a:r>
+          </a:p>
+          <a:p>
+            <a:r>
+              <a:rPr lang="en-US" dirty="0"/>
+              <a:t>I believe the language is very useful as it forces the programmer to think through their code and explicitly tell the computer what they expect. The safety component of Rust is definitely there!</a:t>
+            </a:r>
+          </a:p>
+          <a:p>
+            <a:r>
+              <a:rPr lang="en-US" dirty="0"/>
+              <a:t>Rust is nothing like Python since we must declare </a:t>
+            </a:r>
+            <a:r>
+              <a:rPr lang="en-US" i="1" dirty="0"/>
+              <a:t>everything</a:t>
+            </a:r>
+            <a:r>
+              <a:rPr lang="en-US" dirty="0"/>
+              <a:t> and be careful with what we are doing with variables (e.g., ownership and borrowing can be confusing). </a:t>
+            </a:r>
+          </a:p>
+          <a:p>
+            <a:r>
+              <a:rPr lang="en-US" dirty="0"/>
+              <a:t>I would recommend this language to other programmers only after they have some experience with C or C++, as Rust is quite similar. </a:t>
+            </a:r>
+          </a:p>
+          <a:p>
+            <a:r>
+              <a:rPr lang="en-US" dirty="0"/>
+              <a:t>Some aspects I would be interested in pursuing are concurrency, and exploring the edge cases of ownership and borrowing</a:t>
+            </a:r>
           </a:p>
         </p:txBody>
       </p:sp>
     </p:spTree>
     <p:extLst>
       <p:ext uri="{BB962C8B-B14F-4D97-AF65-F5344CB8AC3E}">
-        <p14:creationId xmlns:p14="http://schemas.microsoft.com/office/powerpoint/2010/main" val="1060905154"/>
+        <p14:creationId xmlns:p14="http://schemas.microsoft.com/office/powerpoint/2010/main" val="1873449270"/>
       </p:ext>
     </p:extLst>
   </p:cSld>
@@ -13702,6 +13703,110 @@
       </p:grpSpPr>
       <p:sp>
         <p:nvSpPr>
+          <p:cNvPr id="2" name="Title 1">
+            <a:extLst>
+              <a:ext uri="{FF2B5EF4-FFF2-40B4-BE49-F238E27FC236}">
+                <a16:creationId xmlns:a16="http://schemas.microsoft.com/office/drawing/2014/main" id="{682C6F2A-C44C-8E4C-8AFD-6B4CA2192A02}"/>
+              </a:ext>
+            </a:extLst>
+          </p:cNvPr>
+          <p:cNvSpPr>
+            <a:spLocks noGrp="1"/>
+          </p:cNvSpPr>
+          <p:nvPr>
+            <p:ph type="title"/>
+          </p:nvPr>
+        </p:nvSpPr>
+        <p:spPr/>
+        <p:txBody>
+          <a:bodyPr/>
+          <a:lstStyle/>
+          <a:p>
+            <a:r>
+              <a:rPr lang="en-US" dirty="0"/>
+              <a:t>Conclusion</a:t>
+            </a:r>
+          </a:p>
+        </p:txBody>
+      </p:sp>
+      <p:sp>
+        <p:nvSpPr>
+          <p:cNvPr id="3" name="Content Placeholder 2">
+            <a:extLst>
+              <a:ext uri="{FF2B5EF4-FFF2-40B4-BE49-F238E27FC236}">
+                <a16:creationId xmlns:a16="http://schemas.microsoft.com/office/drawing/2014/main" id="{2A8615AF-2B11-EC4A-9AD6-5C90A54B7F05}"/>
+              </a:ext>
+            </a:extLst>
+          </p:cNvPr>
+          <p:cNvSpPr>
+            <a:spLocks noGrp="1"/>
+          </p:cNvSpPr>
+          <p:nvPr>
+            <p:ph idx="1"/>
+          </p:nvPr>
+        </p:nvSpPr>
+        <p:spPr>
+          <a:xfrm>
+            <a:off x="680321" y="2351160"/>
+            <a:ext cx="9613861" cy="3599316"/>
+          </a:xfrm>
+        </p:spPr>
+        <p:txBody>
+          <a:bodyPr/>
+          <a:lstStyle/>
+          <a:p>
+            <a:r>
+              <a:rPr lang="en-US" dirty="0"/>
+              <a:t>To check out our project, go to:   </a:t>
+            </a:r>
+            <a:r>
+              <a:rPr lang="en-US" dirty="0">
+                <a:hlinkClick r:id="rId2"/>
+              </a:rPr>
+              <a:t>https://github.com/DaniloHP/csc372project1/releases/tag/1.0</a:t>
+            </a:r>
+            <a:endParaRPr lang="en-US" dirty="0"/>
+          </a:p>
+          <a:p>
+            <a:r>
+              <a:rPr lang="en-US" dirty="0"/>
+              <a:t>Make sure to download the correct executable file to run our program too! </a:t>
+            </a:r>
+          </a:p>
+        </p:txBody>
+      </p:sp>
+    </p:spTree>
+    <p:extLst>
+      <p:ext uri="{BB962C8B-B14F-4D97-AF65-F5344CB8AC3E}">
+        <p14:creationId xmlns:p14="http://schemas.microsoft.com/office/powerpoint/2010/main" val="2519153925"/>
+      </p:ext>
+    </p:extLst>
+  </p:cSld>
+  <p:clrMapOvr>
+    <a:masterClrMapping/>
+  </p:clrMapOvr>
+</p:sld>
+</file>
+
+<file path=ppt/slides/slide35.xml><?xml version="1.0" encoding="utf-8"?>
+<p:sld xmlns:a="http://schemas.openxmlformats.org/drawingml/2006/main" xmlns:r="http://schemas.openxmlformats.org/officeDocument/2006/relationships" xmlns:p="http://schemas.openxmlformats.org/presentationml/2006/main">
+  <p:cSld>
+    <p:spTree>
+      <p:nvGrpSpPr>
+        <p:cNvPr id="1" name=""/>
+        <p:cNvGrpSpPr/>
+        <p:nvPr/>
+      </p:nvGrpSpPr>
+      <p:grpSpPr>
+        <a:xfrm>
+          <a:off x="0" y="0"/>
+          <a:ext cx="0" cy="0"/>
+          <a:chOff x="0" y="0"/>
+          <a:chExt cx="0" cy="0"/>
+        </a:xfrm>
+      </p:grpSpPr>
+      <p:sp>
+        <p:nvSpPr>
           <p:cNvPr id="4" name="Title 3">
             <a:extLst>
               <a:ext uri="{FF2B5EF4-FFF2-40B4-BE49-F238E27FC236}">
@@ -13746,150 +13851,168 @@
         </p:nvSpPr>
         <p:spPr>
           <a:xfrm>
-            <a:off x="680321" y="2336872"/>
-            <a:ext cx="9613861" cy="4346315"/>
+            <a:off x="741281" y="2194560"/>
+            <a:ext cx="9613861" cy="4315968"/>
           </a:xfrm>
         </p:spPr>
         <p:txBody>
           <a:bodyPr>
-            <a:normAutofit/>
+            <a:noAutofit/>
           </a:bodyPr>
           <a:lstStyle/>
           <a:p>
             <a:r>
-              <a:rPr lang="en-US" sz="2000" dirty="0" err="1"/>
+              <a:rPr lang="en-US" sz="1800" dirty="0" err="1"/>
               <a:t>Madunuwan</a:t>
             </a:r>
             <a:r>
-              <a:rPr lang="en-US" sz="2000" dirty="0"/>
+              <a:rPr lang="en-US" sz="1800" dirty="0"/>
               <a:t>, </a:t>
             </a:r>
             <a:r>
-              <a:rPr lang="en-US" sz="2000" dirty="0" err="1"/>
+              <a:rPr lang="en-US" sz="1800" dirty="0" err="1"/>
               <a:t>Dumindu</a:t>
             </a:r>
             <a:r>
-              <a:rPr lang="en-US" sz="2000" dirty="0"/>
+              <a:rPr lang="en-US" sz="1800" dirty="0"/>
               <a:t>. “Why Rust?” </a:t>
             </a:r>
             <a:r>
-              <a:rPr lang="en-US" sz="2000" i="1" dirty="0"/>
+              <a:rPr lang="en-US" sz="1800" i="1" dirty="0"/>
               <a:t>Why Rust?</a:t>
             </a:r>
             <a:r>
-              <a:rPr lang="en-US" sz="2000" dirty="0"/>
+              <a:rPr lang="en-US" sz="1800" dirty="0"/>
               <a:t>, https://learning-</a:t>
             </a:r>
             <a:r>
-              <a:rPr lang="en-US" sz="2000" dirty="0" err="1"/>
+              <a:rPr lang="en-US" sz="1800" dirty="0" err="1"/>
               <a:t>rust.github.io</a:t>
             </a:r>
             <a:r>
-              <a:rPr lang="en-US" sz="2000" dirty="0"/>
+              <a:rPr lang="en-US" sz="1800" dirty="0"/>
               <a:t>/docs/a1.why_rust.html. </a:t>
             </a:r>
           </a:p>
           <a:p>
             <a:r>
-              <a:rPr lang="en-US" sz="2000" dirty="0"/>
+              <a:rPr lang="en-US" sz="1800" dirty="0"/>
               <a:t>Rust Team. “Rust by Example.” </a:t>
             </a:r>
             <a:r>
-              <a:rPr lang="en-US" sz="2000" i="1" dirty="0"/>
+              <a:rPr lang="en-US" sz="1800" i="1" dirty="0"/>
               <a:t>Introduction - Rust By Example</a:t>
             </a:r>
             <a:r>
-              <a:rPr lang="en-US" sz="2000" dirty="0"/>
+              <a:rPr lang="en-US" sz="1800" dirty="0"/>
               <a:t>, https://</a:t>
             </a:r>
             <a:r>
-              <a:rPr lang="en-US" sz="2000" dirty="0" err="1"/>
+              <a:rPr lang="en-US" sz="1800" dirty="0" err="1"/>
               <a:t>doc.rust-lang.org</a:t>
             </a:r>
             <a:r>
-              <a:rPr lang="en-US" sz="2000" dirty="0"/>
+              <a:rPr lang="en-US" sz="1800" dirty="0"/>
               <a:t>/rust-by-example/. </a:t>
             </a:r>
-            <a:endParaRPr lang="en-US" sz="2000" u="none" strike="noStrike" dirty="0">
+            <a:endParaRPr lang="en-US" sz="1800" u="none" strike="noStrike" dirty="0">
               <a:effectLst/>
             </a:endParaRPr>
           </a:p>
           <a:p>
             <a:r>
-              <a:rPr lang="en-US" sz="2000" dirty="0"/>
+              <a:rPr lang="en-US" sz="1800" dirty="0"/>
               <a:t>Rust Team. “Learn Rust.” </a:t>
             </a:r>
             <a:r>
-              <a:rPr lang="en-US" sz="2000" i="1" dirty="0"/>
+              <a:rPr lang="en-US" sz="1800" i="1" dirty="0"/>
               <a:t>Rust Programming Language</a:t>
             </a:r>
             <a:r>
-              <a:rPr lang="en-US" sz="2000" dirty="0"/>
+              <a:rPr lang="en-US" sz="1800" dirty="0"/>
               <a:t>, https://</a:t>
             </a:r>
             <a:r>
-              <a:rPr lang="en-US" sz="2000" dirty="0" err="1"/>
+              <a:rPr lang="en-US" sz="1800" dirty="0" err="1"/>
               <a:t>www.rust-lang.org</a:t>
             </a:r>
             <a:r>
-              <a:rPr lang="en-US" sz="2000" dirty="0"/>
+              <a:rPr lang="en-US" sz="1800" dirty="0"/>
               <a:t>/learn. </a:t>
             </a:r>
           </a:p>
           <a:p>
             <a:r>
-              <a:rPr lang="en-US" sz="2000" dirty="0"/>
+              <a:rPr lang="en-US" sz="1800" dirty="0"/>
               <a:t>Facebook Engineering. “A Brief History of Rust at Facebook.” </a:t>
             </a:r>
             <a:r>
-              <a:rPr lang="en-US" sz="2000" i="1" dirty="0"/>
+              <a:rPr lang="en-US" sz="1800" i="1" dirty="0"/>
               <a:t>Facebook Engineering</a:t>
             </a:r>
             <a:r>
-              <a:rPr lang="en-US" sz="2000" dirty="0"/>
+              <a:rPr lang="en-US" sz="1800" dirty="0"/>
               <a:t>, 13 May 2021, https://</a:t>
             </a:r>
             <a:r>
-              <a:rPr lang="en-US" sz="2000" dirty="0" err="1"/>
+              <a:rPr lang="en-US" sz="1800" dirty="0" err="1"/>
               <a:t>engineering.fb.com</a:t>
             </a:r>
             <a:r>
-              <a:rPr lang="en-US" sz="2000" dirty="0"/>
+              <a:rPr lang="en-US" sz="1800" dirty="0"/>
               <a:t>/2021/04/29/developer-tools/rust/. </a:t>
             </a:r>
           </a:p>
           <a:p>
             <a:r>
-              <a:rPr lang="en-US" sz="2000" dirty="0"/>
+              <a:rPr lang="en-US" sz="1800" dirty="0"/>
               <a:t>“Rust (Programming Language).” </a:t>
             </a:r>
             <a:r>
-              <a:rPr lang="en-US" sz="2000" i="1" dirty="0"/>
+              <a:rPr lang="en-US" sz="1800" i="1" dirty="0"/>
               <a:t>Wikipedia</a:t>
             </a:r>
             <a:r>
-              <a:rPr lang="en-US" sz="2000" dirty="0"/>
+              <a:rPr lang="en-US" sz="1800" dirty="0"/>
               <a:t>, Wikimedia Foundation, 22 Sept. 2021, https://</a:t>
             </a:r>
             <a:r>
-              <a:rPr lang="en-US" sz="2000" dirty="0" err="1"/>
+              <a:rPr lang="en-US" sz="1800" dirty="0" err="1"/>
               <a:t>en.wikipedia.org</a:t>
             </a:r>
             <a:r>
-              <a:rPr lang="en-US" sz="2000" dirty="0"/>
+              <a:rPr lang="en-US" sz="1800" dirty="0"/>
               <a:t>/wiki/Rust_(</a:t>
             </a:r>
             <a:r>
-              <a:rPr lang="en-US" sz="2000" dirty="0" err="1"/>
+              <a:rPr lang="en-US" sz="1800" dirty="0" err="1"/>
               <a:t>programming_language</a:t>
             </a:r>
             <a:r>
-              <a:rPr lang="en-US" sz="2000" dirty="0"/>
+              <a:rPr lang="en-US" sz="1800" dirty="0"/>
               <a:t>). </a:t>
             </a:r>
           </a:p>
           <a:p>
-            <a:endParaRPr lang="en-US" sz="2000" dirty="0"/>
+            <a:r>
+              <a:rPr lang="en-US" sz="1800" dirty="0" err="1"/>
+              <a:t>Lardinois</a:t>
+            </a:r>
+            <a:r>
+              <a:rPr lang="en-US" sz="1800" dirty="0"/>
+              <a:t>, Frederic. “AWS, Microsoft, Mozilla and Others Launch the Rust Foundation.” </a:t>
+            </a:r>
+            <a:r>
+              <a:rPr lang="en-US" sz="1800" i="1" dirty="0"/>
+              <a:t>TechCrunch</a:t>
+            </a:r>
+            <a:r>
+              <a:rPr lang="en-US" sz="1800" dirty="0"/>
+              <a:t>, TechCrunch, 8 Feb. 2021, https://techcrunch.com/2021/02/08/the-rust-programming-language-finds-a-new-home-in-a-non-profit-foundation/.</a:t>
+            </a:r>
+          </a:p>
+          <a:p>
+            <a:endParaRPr lang="en-US" sz="1800" dirty="0"/>
           </a:p>
         </p:txBody>
       </p:sp>
@@ -14536,7 +14659,7 @@
         </p:blipFill>
         <p:spPr bwMode="auto">
           <a:xfrm>
-            <a:off x="5492752" y="3212605"/>
+            <a:off x="5836480" y="3175984"/>
             <a:ext cx="4457700" cy="1847850"/>
           </a:xfrm>
           <a:prstGeom prst="rect">
@@ -14600,8 +14723,8 @@
         </p:nvSpPr>
         <p:spPr>
           <a:xfrm>
-            <a:off x="680321" y="2336872"/>
-            <a:ext cx="4561380" cy="3599317"/>
+            <a:off x="680320" y="2336872"/>
+            <a:ext cx="4812431" cy="3767901"/>
           </a:xfrm>
         </p:spPr>
         <p:txBody>
@@ -14712,6 +14835,20 @@
                 <a:cs typeface="Hack" panose="020B0609030202020204" pitchFamily="49" charset="0"/>
               </a:rPr>
               <a:t>Whitespace-ambivalent</a:t>
+            </a:r>
+          </a:p>
+          <a:p>
+            <a:pPr marL="285750" indent="-285750">
+              <a:buFont typeface="Arial" panose="020B0604020202020204" pitchFamily="34" charset="0"/>
+              <a:buChar char="•"/>
+            </a:pPr>
+            <a:r>
+              <a:rPr lang="en-US" sz="2000" dirty="0">
+                <a:latin typeface="+mj-lt"/>
+                <a:ea typeface="Hack" panose="020B0609030202020204" pitchFamily="49" charset="0"/>
+                <a:cs typeface="Hack" panose="020B0609030202020204" pitchFamily="49" charset="0"/>
+              </a:rPr>
+              <a:t>All statements end with semicolon </a:t>
             </a:r>
           </a:p>
           <a:p>

--- a/Rust.pptx
+++ b/Rust.pptx
@@ -7944,14 +7944,42 @@
           </a:bodyPr>
           <a:lstStyle/>
           <a:p>
-            <a:pPr>
+            <a:pPr marL="342900" indent="-342900">
               <a:lnSpc>
                 <a:spcPct val="100000"/>
               </a:lnSpc>
+              <a:buFont typeface="Arial" panose="020B0604020202020204" pitchFamily="34" charset="0"/>
+              <a:buChar char="•"/>
             </a:pPr>
             <a:r>
               <a:rPr lang="en-US" sz="2000" dirty="0"/>
-              <a:t>Function parameters must have types associated with them. There are no optional or variadic functions in Rust. The </a:t>
+              <a:t>Function parameters must have types associated with them. </a:t>
+            </a:r>
+          </a:p>
+          <a:p>
+            <a:pPr marL="342900" indent="-342900">
+              <a:lnSpc>
+                <a:spcPct val="100000"/>
+              </a:lnSpc>
+              <a:buFont typeface="Arial" panose="020B0604020202020204" pitchFamily="34" charset="0"/>
+              <a:buChar char="•"/>
+            </a:pPr>
+            <a:r>
+              <a:rPr lang="en-US" sz="2000" dirty="0"/>
+              <a:t>There are no optional parameters or variadic functions in Rust. </a:t>
+            </a:r>
+          </a:p>
+          <a:p>
+            <a:pPr marL="342900" indent="-342900">
+              <a:lnSpc>
+                <a:spcPct val="100000"/>
+              </a:lnSpc>
+              <a:buFont typeface="Arial" panose="020B0604020202020204" pitchFamily="34" charset="0"/>
+              <a:buChar char="•"/>
+            </a:pPr>
+            <a:r>
+              <a:rPr lang="en-US" sz="2000" dirty="0"/>
+              <a:t>Either the </a:t>
             </a:r>
             <a:r>
               <a:rPr lang="en-US" sz="2000" dirty="0">
@@ -7963,7 +7991,20 @@
             </a:r>
             <a:r>
               <a:rPr lang="en-US" sz="2000" dirty="0"/>
-              <a:t> keyword can still be used if you don’t like the no-semicolon return syntax. The return value of a function is indicated after the </a:t>
+              <a:t> keyword or a statement with no semicolon can be used to indicate return value</a:t>
+            </a:r>
+          </a:p>
+          <a:p>
+            <a:pPr marL="342900" indent="-342900">
+              <a:lnSpc>
+                <a:spcPct val="100000"/>
+              </a:lnSpc>
+              <a:buFont typeface="Arial" panose="020B0604020202020204" pitchFamily="34" charset="0"/>
+              <a:buChar char="•"/>
+            </a:pPr>
+            <a:r>
+              <a:rPr lang="en-US" sz="2000" dirty="0"/>
+              <a:t>The return type of a function is indicated after the </a:t>
             </a:r>
             <a:r>
               <a:rPr lang="en-US" sz="2000" dirty="0">
@@ -7971,7 +8012,22 @@
                 <a:ea typeface="Hack" panose="020B0609030202020204" pitchFamily="49" charset="0"/>
                 <a:cs typeface="Hack" panose="020B0609030202020204" pitchFamily="49" charset="0"/>
               </a:rPr>
-              <a:t>-&gt;.</a:t>
+              <a:t>-&gt; </a:t>
+            </a:r>
+            <a:r>
+              <a:rPr lang="en-US" sz="2000" dirty="0">
+                <a:ea typeface="Hack" panose="020B0609030202020204" pitchFamily="49" charset="0"/>
+                <a:cs typeface="Hack" panose="020B0609030202020204" pitchFamily="49" charset="0"/>
+              </a:rPr>
+              <a:t>in the function declaration</a:t>
+            </a:r>
+            <a:r>
+              <a:rPr lang="en-US" sz="2000" dirty="0">
+                <a:latin typeface="Hack" panose="020B0609030202020204" pitchFamily="49" charset="0"/>
+                <a:ea typeface="Hack" panose="020B0609030202020204" pitchFamily="49" charset="0"/>
+                <a:cs typeface="Hack" panose="020B0609030202020204" pitchFamily="49" charset="0"/>
+              </a:rPr>
+              <a:t>.</a:t>
             </a:r>
             <a:endParaRPr lang="en-US" sz="2000" dirty="0"/>
           </a:p>
@@ -8008,8 +8064,8 @@
         </p:blipFill>
         <p:spPr bwMode="auto">
           <a:xfrm>
-            <a:off x="5528368" y="3005873"/>
-            <a:ext cx="3924502" cy="2260716"/>
+            <a:off x="5528367" y="3005873"/>
+            <a:ext cx="4454899" cy="2566252"/>
           </a:xfrm>
           <a:prstGeom prst="rect">
             <a:avLst/>
@@ -8115,8 +8171,8 @@
         </p:blipFill>
         <p:spPr bwMode="auto">
           <a:xfrm>
-            <a:off x="1645038" y="2336800"/>
-            <a:ext cx="7685899" cy="3598863"/>
+            <a:off x="1832648" y="2336800"/>
+            <a:ext cx="8526703" cy="3992563"/>
           </a:xfrm>
           <a:prstGeom prst="rect">
             <a:avLst/>
@@ -8215,8 +8271,8 @@
         </p:blipFill>
         <p:spPr>
           <a:xfrm>
-            <a:off x="4880285" y="3015445"/>
-            <a:ext cx="6515483" cy="2242170"/>
+            <a:off x="4769986" y="3044020"/>
+            <a:ext cx="7097270" cy="2442380"/>
           </a:xfrm>
         </p:spPr>
       </p:pic>
@@ -8245,7 +8301,7 @@
           <a:p>
             <a:r>
               <a:rPr lang="en-US" sz="2000" dirty="0"/>
-              <a:t>Conditionals in Rust are standard to C-like syntax. One difference is that it does not require parentheses around conditions.</a:t>
+              <a:t>Conditionals in Rust are standard to C-like syntax. One difference is that it does not require parentheses around conditional statements. </a:t>
             </a:r>
           </a:p>
         </p:txBody>
@@ -8324,13 +8380,13 @@
             <p:ph idx="1"/>
             <p:extLst>
               <p:ext uri="{D42A27DB-BD31-4B8C-83A1-F6EECF244321}">
-                <p14:modId xmlns:p14="http://schemas.microsoft.com/office/powerpoint/2010/main" val="3363906732"/>
+                <p14:modId xmlns:p14="http://schemas.microsoft.com/office/powerpoint/2010/main" val="2452814824"/>
               </p:ext>
             </p:extLst>
           </p:nvPr>
         </p:nvGraphicFramePr>
         <p:xfrm>
-          <a:off x="681038" y="2336800"/>
+          <a:off x="1289050" y="2308225"/>
           <a:ext cx="9613899" cy="4079240"/>
         </p:xfrm>
         <a:graphic>
@@ -8904,13 +8960,13 @@
             <p:ph idx="1"/>
             <p:extLst>
               <p:ext uri="{D42A27DB-BD31-4B8C-83A1-F6EECF244321}">
-                <p14:modId xmlns:p14="http://schemas.microsoft.com/office/powerpoint/2010/main" val="3456462707"/>
+                <p14:modId xmlns:p14="http://schemas.microsoft.com/office/powerpoint/2010/main" val="40032053"/>
               </p:ext>
             </p:extLst>
           </p:nvPr>
         </p:nvGraphicFramePr>
         <p:xfrm>
-          <a:off x="681038" y="2336800"/>
+          <a:off x="1289050" y="2522538"/>
           <a:ext cx="9613899" cy="3364498"/>
         </p:xfrm>
         <a:graphic>
@@ -9543,8 +9599,8 @@
         </p:blipFill>
         <p:spPr bwMode="auto">
           <a:xfrm>
-            <a:off x="5034029" y="2508738"/>
-            <a:ext cx="6234481" cy="3424168"/>
+            <a:off x="4948304" y="2508737"/>
+            <a:ext cx="6860326" cy="3767901"/>
           </a:xfrm>
           <a:prstGeom prst="rect">
             <a:avLst/>
@@ -9835,7 +9891,19 @@
             </a:pPr>
             <a:r>
               <a:rPr lang="en-US" sz="2000" dirty="0"/>
-              <a:t>A more involved example of mutability is coming later.</a:t>
+              <a:t>In general, to declare something mutable, use the </a:t>
+            </a:r>
+            <a:r>
+              <a:rPr lang="en-US" sz="2000" dirty="0">
+                <a:latin typeface="Hack" panose="020B0609030202020204" pitchFamily="49" charset="0"/>
+                <a:ea typeface="Hack" panose="020B0609030202020204" pitchFamily="49" charset="0"/>
+                <a:cs typeface="Hack" panose="020B0609030202020204" pitchFamily="49" charset="0"/>
+              </a:rPr>
+              <a:t>mut</a:t>
+            </a:r>
+            <a:r>
+              <a:rPr lang="en-US" sz="2000" dirty="0"/>
+              <a:t> keyword.</a:t>
             </a:r>
           </a:p>
         </p:txBody>
@@ -10773,7 +10841,7 @@
           <a:p>
             <a:r>
               <a:rPr lang="en-US" sz="2000" dirty="0"/>
-              <a:t>Structs are declared in a global scope as shown above. To access fields with the dot syntax, they must be declared as public with </a:t>
+              <a:t>Structs are declared in a global scope as shown to the right. To access fields with the dot syntax, they must be declared as public with </a:t>
             </a:r>
             <a:r>
               <a:rPr lang="en-US" sz="2000" dirty="0">
@@ -11202,7 +11270,7 @@
         </p:nvSpPr>
         <p:spPr>
           <a:xfrm>
-            <a:off x="5614090" y="2100988"/>
+            <a:off x="6297056" y="2100988"/>
             <a:ext cx="4474028" cy="692076"/>
           </a:xfrm>
         </p:spPr>
@@ -11241,7 +11309,7 @@
         </p:nvSpPr>
         <p:spPr>
           <a:xfrm>
-            <a:off x="5614995" y="2780184"/>
+            <a:off x="6297056" y="2797580"/>
             <a:ext cx="4700059" cy="2906179"/>
           </a:xfrm>
         </p:spPr>
@@ -11270,35 +11338,6 @@
           </a:p>
         </p:txBody>
       </p:sp>
-      <p:pic>
-        <p:nvPicPr>
-          <p:cNvPr id="11" name="Picture 10">
-            <a:extLst>
-              <a:ext uri="{FF2B5EF4-FFF2-40B4-BE49-F238E27FC236}">
-                <a16:creationId xmlns:a16="http://schemas.microsoft.com/office/drawing/2014/main" id="{7016BD26-EC4F-41D8-AC0F-AF76CB146DCB}"/>
-              </a:ext>
-            </a:extLst>
-          </p:cNvPr>
-          <p:cNvPicPr>
-            <a:picLocks noChangeAspect="1"/>
-          </p:cNvPicPr>
-          <p:nvPr/>
-        </p:nvPicPr>
-        <p:blipFill rotWithShape="1">
-          <a:blip r:embed="rId2"/>
-          <a:srcRect t="11010" b="7264"/>
-          <a:stretch/>
-        </p:blipFill>
-        <p:spPr>
-          <a:xfrm>
-            <a:off x="6916360" y="4816929"/>
-            <a:ext cx="1918547" cy="869434"/>
-          </a:xfrm>
-          <a:prstGeom prst="rect">
-            <a:avLst/>
-          </a:prstGeom>
-        </p:spPr>
-      </p:pic>
       <p:pic>
         <p:nvPicPr>
           <p:cNvPr id="13" name="Picture 12">
@@ -11314,15 +11353,15 @@
           <p:nvPr/>
         </p:nvPicPr>
         <p:blipFill>
-          <a:blip r:embed="rId3"/>
+          <a:blip r:embed="rId2"/>
           <a:stretch>
             <a:fillRect/>
           </a:stretch>
         </p:blipFill>
         <p:spPr>
           <a:xfrm>
-            <a:off x="442706" y="5696829"/>
-            <a:ext cx="5123907" cy="669501"/>
+            <a:off x="391497" y="5699243"/>
+            <a:ext cx="5704503" cy="745363"/>
           </a:xfrm>
           <a:prstGeom prst="rect">
             <a:avLst/>
@@ -11344,14 +11383,14 @@
           <p:nvPr/>
         </p:nvPicPr>
         <p:blipFill rotWithShape="1">
-          <a:blip r:embed="rId4"/>
+          <a:blip r:embed="rId3"/>
           <a:srcRect b="7527"/>
           <a:stretch/>
         </p:blipFill>
         <p:spPr>
           <a:xfrm>
-            <a:off x="5810297" y="5771636"/>
-            <a:ext cx="4220164" cy="669501"/>
+            <a:off x="6395921" y="5665697"/>
+            <a:ext cx="4698354" cy="745363"/>
           </a:xfrm>
           <a:prstGeom prst="rect">
             <a:avLst/>
@@ -13747,13 +13786,34 @@
         </p:nvSpPr>
         <p:spPr>
           <a:xfrm>
-            <a:off x="680321" y="2351160"/>
-            <a:ext cx="9613861" cy="3599316"/>
+            <a:off x="680321" y="2314575"/>
+            <a:ext cx="9613861" cy="3635901"/>
           </a:xfrm>
         </p:spPr>
         <p:txBody>
           <a:bodyPr/>
           <a:lstStyle/>
+          <a:p>
+            <a:pPr marL="0" indent="0" algn="ctr">
+              <a:buNone/>
+            </a:pPr>
+            <a:endParaRPr lang="en-US" sz="3200" dirty="0"/>
+          </a:p>
+          <a:p>
+            <a:pPr marL="0" indent="0" algn="ctr">
+              <a:buNone/>
+            </a:pPr>
+            <a:r>
+              <a:rPr lang="en-US" sz="3200" dirty="0"/>
+              <a:t>Thank you for your time. </a:t>
+            </a:r>
+          </a:p>
+          <a:p>
+            <a:pPr marL="0" indent="0">
+              <a:buNone/>
+            </a:pPr>
+            <a:endParaRPr lang="en-US" dirty="0"/>
+          </a:p>
           <a:p>
             <a:r>
               <a:rPr lang="en-US" dirty="0"/>
@@ -14139,8 +14199,12 @@
               <a:buNone/>
             </a:pPr>
             <a:r>
+              <a:rPr lang="en-US"/>
+              <a:t>Rust </a:t>
+            </a:r>
+            <a:r>
               <a:rPr lang="en-US" dirty="0"/>
-              <a:t>Despite its age, Rust is an up-and-coming language with a passionate following in many areas of computing.</a:t>
+              <a:t>is an up-and-coming language with a passionate following in many areas of computing.</a:t>
             </a:r>
           </a:p>
           <a:p>
@@ -14247,7 +14311,7 @@
           <a:p>
             <a:r>
               <a:rPr lang="en-US" dirty="0"/>
-              <a:t>Memory management inspired C++</a:t>
+              <a:t>OOP elements inspired by C++ </a:t>
             </a:r>
           </a:p>
         </p:txBody>
@@ -14333,7 +14397,9 @@
           </a:xfrm>
         </p:spPr>
         <p:txBody>
-          <a:bodyPr/>
+          <a:bodyPr>
+            <a:normAutofit/>
+          </a:bodyPr>
           <a:lstStyle/>
           <a:p>
             <a:r>
@@ -14344,16 +14410,11 @@
           <a:p>
             <a:r>
               <a:rPr lang="en-US" dirty="0"/>
-              <a:t>Classes removed in 0.4 in favor of structs with associated methods</a:t>
-            </a:r>
-          </a:p>
-          <a:p>
-            <a:r>
-              <a:rPr lang="en-US" dirty="0"/>
-              <a:t>Traits added in 0.4 to add a sort of polymorphism</a:t>
-            </a:r>
-          </a:p>
-          <a:p>
+              <a:t>Classes removed in 0.4 in favor of structs and traits </a:t>
+            </a:r>
+          </a:p>
+          <a:p>
+            <a:pPr lvl="1"/>
             <a:r>
               <a:rPr lang="en-US" dirty="0"/>
               <a:t>These and other changes in the mid 2010s slowed adoption</a:t>
@@ -14374,7 +14435,7 @@
           <a:p>
             <a:r>
               <a:rPr lang="en-US" dirty="0"/>
-              <a:t>Rust Foundation created in February 2021 to ensure financial stability and longevity </a:t>
+              <a:t>Rust Foundation created in February 2021 to ensure financial stability and longevity (Founders: AWS, Huawei, Google, Microsoft, Mozilla). </a:t>
             </a:r>
           </a:p>
         </p:txBody>
@@ -14473,28 +14534,16 @@
           <a:p>
             <a:pPr lvl="1"/>
             <a:r>
-              <a:rPr lang="en-US" sz="1600" dirty="0"/>
-              <a:t>Used by Facebook, Microsoft, Dropbox, Amazon, Discord</a:t>
-            </a:r>
-          </a:p>
-          <a:p>
-            <a:r>
-              <a:rPr lang="en-US" sz="2800" dirty="0"/>
-              <a:t>High performance web server and frameworks</a:t>
-            </a:r>
-          </a:p>
-          <a:p>
-            <a:pPr lvl="1"/>
-            <a:r>
               <a:rPr lang="en-US" sz="1800" dirty="0"/>
-              <a:t>Actix Web: an extremely performant web server</a:t>
-            </a:r>
-          </a:p>
-          <a:p>
-            <a:r>
-              <a:rPr lang="en-US" sz="2800" dirty="0"/>
+              <a:t>Used by Facebook, Microsoft, Dropbox, Amazon, Discord and more</a:t>
+            </a:r>
+          </a:p>
+          <a:p>
+            <a:r>
+              <a:rPr lang="en-US" sz="2800" dirty="0" err="1"/>
               <a:t>WebAssembly</a:t>
             </a:r>
+            <a:endParaRPr lang="en-US" sz="2800" dirty="0"/>
           </a:p>
           <a:p>
             <a:pPr lvl="1"/>
@@ -14515,11 +14564,11 @@
           <a:p>
             <a:pPr lvl="1"/>
             <a:r>
-              <a:rPr lang="en-US" sz="1900" dirty="0" err="1"/>
+              <a:rPr lang="en-US" sz="1800" dirty="0" err="1"/>
               <a:t>Veloren</a:t>
             </a:r>
             <a:r>
-              <a:rPr lang="en-US" sz="1900" dirty="0"/>
+              <a:rPr lang="en-US" sz="1800" dirty="0"/>
               <a:t>, a free and open source voxel Minecraft-clone</a:t>
             </a:r>
           </a:p>
@@ -14773,6 +14822,42 @@
               <a:buChar char="•"/>
             </a:pPr>
             <a:r>
+              <a:rPr lang="en-US" sz="2000" dirty="0">
+                <a:latin typeface="Hack" panose="020B0609030202020204" pitchFamily="49" charset="0"/>
+                <a:ea typeface="Hack" panose="020B0609030202020204" pitchFamily="49" charset="0"/>
+                <a:cs typeface="Hack" panose="020B0609030202020204" pitchFamily="49" charset="0"/>
+              </a:rPr>
+              <a:t>main</a:t>
+            </a:r>
+            <a:r>
+              <a:rPr lang="en-US" sz="2000" dirty="0">
+                <a:latin typeface="+mj-lt"/>
+                <a:ea typeface="Hack" panose="020B0609030202020204" pitchFamily="49" charset="0"/>
+                <a:cs typeface="Hack" panose="020B0609030202020204" pitchFamily="49" charset="0"/>
+              </a:rPr>
+              <a:t> is a special entry-point function</a:t>
+            </a:r>
+          </a:p>
+          <a:p>
+            <a:pPr marL="285750" indent="-285750">
+              <a:buFont typeface="Arial" panose="020B0604020202020204" pitchFamily="34" charset="0"/>
+              <a:buChar char="•"/>
+            </a:pPr>
+            <a:r>
+              <a:rPr lang="en-US" sz="2000" dirty="0">
+                <a:latin typeface="+mj-lt"/>
+                <a:ea typeface="Hack" panose="020B0609030202020204" pitchFamily="49" charset="0"/>
+                <a:cs typeface="Hack" panose="020B0609030202020204" pitchFamily="49" charset="0"/>
+              </a:rPr>
+              <a:t>All statements end with semicolon </a:t>
+            </a:r>
+          </a:p>
+          <a:p>
+            <a:pPr marL="285750" indent="-285750">
+              <a:buFont typeface="Arial" panose="020B0604020202020204" pitchFamily="34" charset="0"/>
+              <a:buChar char="•"/>
+            </a:pPr>
+            <a:r>
               <a:rPr lang="en-US" sz="2000" dirty="0" err="1">
                 <a:latin typeface="Hack" panose="020B0609030202020204" pitchFamily="49" charset="0"/>
                 <a:ea typeface="Hack" panose="020B0609030202020204" pitchFamily="49" charset="0"/>
@@ -14786,7 +14871,6 @@
             </a:r>
             <a:r>
               <a:rPr lang="en-US" sz="2000" dirty="0">
-                <a:latin typeface="+mj-lt"/>
                 <a:ea typeface="Hack" panose="020B0609030202020204" pitchFamily="49" charset="0"/>
                 <a:cs typeface="Hack" panose="020B0609030202020204" pitchFamily="49" charset="0"/>
               </a:rPr>
@@ -14801,74 +14885,40 @@
               <a:t>!</a:t>
             </a:r>
           </a:p>
-          <a:p>
-            <a:pPr marL="285750" indent="-285750">
-              <a:buFont typeface="Arial" panose="020B0604020202020204" pitchFamily="34" charset="0"/>
-              <a:buChar char="•"/>
-            </a:pPr>
-            <a:r>
-              <a:rPr lang="en-US" sz="2000" dirty="0">
-                <a:latin typeface="Hack" panose="020B0609030202020204" pitchFamily="49" charset="0"/>
-                <a:ea typeface="Hack" panose="020B0609030202020204" pitchFamily="49" charset="0"/>
-                <a:cs typeface="Hack" panose="020B0609030202020204" pitchFamily="49" charset="0"/>
-              </a:rPr>
-              <a:t>main</a:t>
-            </a:r>
-            <a:r>
-              <a:rPr lang="en-US" sz="2000" dirty="0">
-                <a:latin typeface="+mj-lt"/>
-                <a:ea typeface="Hack" panose="020B0609030202020204" pitchFamily="49" charset="0"/>
-                <a:cs typeface="Hack" panose="020B0609030202020204" pitchFamily="49" charset="0"/>
-              </a:rPr>
-              <a:t> is a special entry-point function</a:t>
-            </a:r>
-          </a:p>
-          <a:p>
-            <a:pPr marL="285750" indent="-285750">
-              <a:buFont typeface="Arial" panose="020B0604020202020204" pitchFamily="34" charset="0"/>
-              <a:buChar char="•"/>
-            </a:pPr>
-            <a:r>
-              <a:rPr lang="en-US" sz="2000" dirty="0">
-                <a:latin typeface="+mj-lt"/>
-                <a:ea typeface="Hack" panose="020B0609030202020204" pitchFamily="49" charset="0"/>
-                <a:cs typeface="Hack" panose="020B0609030202020204" pitchFamily="49" charset="0"/>
-              </a:rPr>
-              <a:t>Whitespace-ambivalent</a:t>
-            </a:r>
-          </a:p>
-          <a:p>
-            <a:pPr marL="285750" indent="-285750">
-              <a:buFont typeface="Arial" panose="020B0604020202020204" pitchFamily="34" charset="0"/>
-              <a:buChar char="•"/>
-            </a:pPr>
-            <a:r>
-              <a:rPr lang="en-US" sz="2000" dirty="0">
-                <a:latin typeface="+mj-lt"/>
-                <a:ea typeface="Hack" panose="020B0609030202020204" pitchFamily="49" charset="0"/>
-                <a:cs typeface="Hack" panose="020B0609030202020204" pitchFamily="49" charset="0"/>
-              </a:rPr>
-              <a:t>All statements end with semicolon </a:t>
-            </a:r>
-          </a:p>
-          <a:p>
-            <a:pPr marL="285750" indent="-285750">
-              <a:buFont typeface="Arial" panose="020B0604020202020204" pitchFamily="34" charset="0"/>
-              <a:buChar char="•"/>
-            </a:pPr>
-            <a:r>
-              <a:rPr lang="en-US" sz="2000" dirty="0">
-                <a:latin typeface="+mj-lt"/>
-                <a:ea typeface="Hack" panose="020B0609030202020204" pitchFamily="49" charset="0"/>
-                <a:cs typeface="Hack" panose="020B0609030202020204" pitchFamily="49" charset="0"/>
-              </a:rPr>
-              <a:t>Return statement has no semicolon</a:t>
-            </a:r>
-            <a:endParaRPr lang="en-US" sz="2000" dirty="0">
-              <a:latin typeface="Hack" panose="020B0609030202020204" pitchFamily="49" charset="0"/>
-              <a:ea typeface="Hack" panose="020B0609030202020204" pitchFamily="49" charset="0"/>
-              <a:cs typeface="Hack" panose="020B0609030202020204" pitchFamily="49" charset="0"/>
-            </a:endParaRPr>
+        </p:txBody>
+      </p:sp>
+      <p:sp>
+        <p:nvSpPr>
+          <p:cNvPr id="2" name="TextBox 1">
+            <a:extLst>
+              <a:ext uri="{FF2B5EF4-FFF2-40B4-BE49-F238E27FC236}">
+                <a16:creationId xmlns:a16="http://schemas.microsoft.com/office/drawing/2014/main" id="{3A2CB5D1-AE5C-E64F-8AC4-8AF64DBAAEAB}"/>
+              </a:ext>
+            </a:extLst>
+          </p:cNvPr>
+          <p:cNvSpPr txBox="1"/>
+          <p:nvPr/>
+        </p:nvSpPr>
+        <p:spPr>
+          <a:xfrm>
+            <a:off x="9901233" y="3871909"/>
+            <a:ext cx="250067" cy="369332"/>
+          </a:xfrm>
+          <a:prstGeom prst="rect">
+            <a:avLst/>
+          </a:prstGeom>
+          <a:noFill/>
+        </p:spPr>
+        <p:txBody>
+          <a:bodyPr wrap="square" rtlCol="0">
+            <a:spAutoFit/>
+          </a:bodyPr>
+          <a:lstStyle/>
+          <a:p>
+            <a:r>
+              <a:rPr lang="en-US" dirty="0"/>
+              <a:t>;</a:t>
+            </a:r>
           </a:p>
         </p:txBody>
       </p:sp>

--- a/Rust.pptx
+++ b/Rust.pptx
@@ -14152,18 +14152,34 @@
         </p:nvSpPr>
         <p:spPr/>
         <p:txBody>
-          <a:bodyPr/>
+          <a:bodyPr>
+            <a:normAutofit fontScale="85000" lnSpcReduction="10000"/>
+          </a:bodyPr>
           <a:lstStyle/>
           <a:p>
+            <a:pPr>
+              <a:lnSpc>
+                <a:spcPct val="120000"/>
+              </a:lnSpc>
+            </a:pPr>
+            <a:r>
+              <a:rPr lang="en-US" sz="2900" dirty="0"/>
+              <a:t>There was a gap to fill for a highly concurrent, truly strongly typed low-level language with a safe memory layout. </a:t>
+            </a:r>
+          </a:p>
+          <a:p>
             <a:pPr marL="0" indent="0">
+              <a:lnSpc>
+                <a:spcPct val="120000"/>
+              </a:lnSpc>
               <a:buNone/>
             </a:pPr>
             <a:r>
-              <a:rPr lang="en-US" sz="2800" dirty="0"/>
+              <a:rPr lang="en-US" sz="2900" dirty="0"/>
               <a:t>“</a:t>
             </a:r>
             <a:r>
-              <a:rPr lang="en-US" sz="2800" b="0" i="0" dirty="0">
+              <a:rPr lang="en-US" sz="2900" b="0" i="0" dirty="0">
                 <a:effectLst/>
               </a:rPr>
               <a:t>Rust is a systems programming language focused on three goals: safety, speed, and concurrency.”</a:t>
@@ -14171,40 +14187,25 @@
           </a:p>
           <a:p>
             <a:pPr marL="0" indent="0">
+              <a:lnSpc>
+                <a:spcPct val="120000"/>
+              </a:lnSpc>
               <a:buNone/>
             </a:pPr>
             <a:r>
-              <a:rPr lang="en-US" sz="2000" dirty="0"/>
-              <a:t>-Rust documentation</a:t>
-            </a:r>
-            <a:endParaRPr lang="en-US" sz="3600" dirty="0"/>
-          </a:p>
-          <a:p>
-            <a:pPr marL="0" indent="0">
-              <a:buNone/>
+              <a:rPr lang="en-US" sz="2900" dirty="0"/>
+              <a:t>	-Rust documentation</a:t>
+            </a:r>
+          </a:p>
+          <a:p>
+            <a:pPr>
+              <a:lnSpc>
+                <a:spcPct val="120000"/>
+              </a:lnSpc>
             </a:pPr>
-            <a:endParaRPr lang="en-US" dirty="0"/>
-          </a:p>
-          <a:p>
-            <a:pPr marL="0" indent="0">
-              <a:buNone/>
-            </a:pPr>
-            <a:r>
-              <a:rPr lang="en-US" dirty="0"/>
-              <a:t>Created by Mozilla to fill the spot of a highly concurrent, truly strongly typed low-level language with a safe memory layout. </a:t>
-            </a:r>
-          </a:p>
-          <a:p>
-            <a:pPr marL="0" indent="0">
-              <a:buNone/>
-            </a:pPr>
-            <a:r>
-              <a:rPr lang="en-US"/>
-              <a:t>Rust </a:t>
-            </a:r>
-            <a:r>
-              <a:rPr lang="en-US" dirty="0"/>
-              <a:t>is an up-and-coming language with a passionate following in many areas of computing.</a:t>
+            <a:r>
+              <a:rPr lang="en-US" sz="2900" dirty="0"/>
+              <a:t>Rust is an up-and-coming language with a passionate following in many areas of computing.</a:t>
             </a:r>
           </a:p>
           <a:p>

--- a/Rust.pptx
+++ b/Rust.pptx
@@ -13431,7 +13431,7 @@
           <a:p>
             <a:r>
               <a:rPr lang="en-US" sz="2000" dirty="0"/>
-              <a:t>Shows all public information associated with the </a:t>
+              <a:t>Shows almost all public information associated with the </a:t>
             </a:r>
             <a:r>
               <a:rPr lang="en-US" sz="2000" dirty="0" err="1"/>
@@ -13560,7 +13560,15 @@
           <a:p>
             <a:r>
               <a:rPr lang="en-US" dirty="0"/>
-              <a:t>Rust feels closes to C++ in syntax and developer experience, which is not really a compliment for Rust as C++ development is often very painful. However, you can know that your compiled code will work more or less as you expected, unlike C++.</a:t>
+              <a:t>Rust </a:t>
+            </a:r>
+            <a:r>
+              <a:rPr lang="en-US"/>
+              <a:t>feels closest </a:t>
+            </a:r>
+            <a:r>
+              <a:rPr lang="en-US" dirty="0"/>
+              <a:t>to C++ in syntax and developer experience, which is not really a compliment for Rust as C++ development is often very painful. However, you can know that your compiled code will work more or less as you expected, unlike C++.</a:t>
             </a:r>
           </a:p>
           <a:p>
@@ -14150,7 +14158,12 @@
             <p:ph idx="1"/>
           </p:nvPr>
         </p:nvSpPr>
-        <p:spPr/>
+        <p:spPr>
+          <a:xfrm>
+            <a:off x="680321" y="2236860"/>
+            <a:ext cx="9992442" cy="3599316"/>
+          </a:xfrm>
+        </p:spPr>
         <p:txBody>
           <a:bodyPr>
             <a:normAutofit fontScale="85000" lnSpcReduction="10000"/>
@@ -14164,7 +14177,7 @@
             </a:pPr>
             <a:r>
               <a:rPr lang="en-US" sz="2900" dirty="0"/>
-              <a:t>There was a gap to fill for a highly concurrent, truly strongly typed low-level language with a safe memory layout. </a:t>
+              <a:t>Before Rust, there was a gap to fill for a highly concurrent, truly strongly typed low-level language with a safe memory layout. </a:t>
             </a:r>
           </a:p>
           <a:p>

--- a/Rust.pptx
+++ b/Rust.pptx
@@ -45,7 +45,7 @@
   <p:notesSz cx="6858000" cy="9144000"/>
   <p:embeddedFontLst>
     <p:embeddedFont>
-      <p:font typeface="Andale Mono" panose="020B0509000000000004" pitchFamily="49" charset="0"/>
+      <p:font typeface="Andale Mono" panose="020B0604020202020204" charset="0"/>
       <p:regular r:id="rId37"/>
     </p:embeddedFont>
     <p:embeddedFont>
@@ -56,7 +56,7 @@
       <p:boldItalic r:id="rId41"/>
     </p:embeddedFont>
     <p:embeddedFont>
-      <p:font typeface="Trebuchet MS" panose="020B0703020202090204" pitchFamily="34" charset="0"/>
+      <p:font typeface="Trebuchet MS" panose="020B0603020202020204" pitchFamily="34" charset="0"/>
       <p:regular r:id="rId42"/>
       <p:bold r:id="rId43"/>
       <p:italic r:id="rId44"/>
@@ -440,7 +440,7 @@
           <a:p>
             <a:fld id="{950AC483-6FA8-4BD4-9273-882CA8632808}" type="datetimeFigureOut">
               <a:rPr lang="en-US" smtClean="0"/>
-              <a:t>9/27/21</a:t>
+              <a:t>9/28/2021</a:t>
             </a:fld>
             <a:endParaRPr lang="en-US"/>
           </a:p>
@@ -854,7 +854,7 @@
           <a:p>
             <a:fld id="{950AC483-6FA8-4BD4-9273-882CA8632808}" type="datetimeFigureOut">
               <a:rPr lang="en-US" smtClean="0"/>
-              <a:t>9/27/21</a:t>
+              <a:t>9/28/2021</a:t>
             </a:fld>
             <a:endParaRPr lang="en-US"/>
           </a:p>
@@ -1190,7 +1190,7 @@
           <a:p>
             <a:fld id="{950AC483-6FA8-4BD4-9273-882CA8632808}" type="datetimeFigureOut">
               <a:rPr lang="en-US" smtClean="0"/>
-              <a:t>9/27/21</a:t>
+              <a:t>9/28/2021</a:t>
             </a:fld>
             <a:endParaRPr lang="en-US"/>
           </a:p>
@@ -1595,7 +1595,7 @@
           <a:p>
             <a:fld id="{950AC483-6FA8-4BD4-9273-882CA8632808}" type="datetimeFigureOut">
               <a:rPr lang="en-US" smtClean="0"/>
-              <a:t>9/27/21</a:t>
+              <a:t>9/28/2021</a:t>
             </a:fld>
             <a:endParaRPr lang="en-US"/>
           </a:p>
@@ -2163,7 +2163,7 @@
           <a:p>
             <a:fld id="{950AC483-6FA8-4BD4-9273-882CA8632808}" type="datetimeFigureOut">
               <a:rPr lang="en-US" smtClean="0"/>
-              <a:t>9/27/21</a:t>
+              <a:t>9/28/2021</a:t>
             </a:fld>
             <a:endParaRPr lang="en-US"/>
           </a:p>
@@ -2844,7 +2844,7 @@
           <a:p>
             <a:fld id="{950AC483-6FA8-4BD4-9273-882CA8632808}" type="datetimeFigureOut">
               <a:rPr lang="en-US" smtClean="0"/>
-              <a:t>9/27/21</a:t>
+              <a:t>9/28/2021</a:t>
             </a:fld>
             <a:endParaRPr lang="en-US"/>
           </a:p>
@@ -3757,7 +3757,7 @@
           <a:p>
             <a:fld id="{950AC483-6FA8-4BD4-9273-882CA8632808}" type="datetimeFigureOut">
               <a:rPr lang="en-US" smtClean="0"/>
-              <a:t>9/27/21</a:t>
+              <a:t>9/28/2021</a:t>
             </a:fld>
             <a:endParaRPr lang="en-US"/>
           </a:p>
@@ -4070,7 +4070,7 @@
           <a:p>
             <a:fld id="{950AC483-6FA8-4BD4-9273-882CA8632808}" type="datetimeFigureOut">
               <a:rPr lang="en-US" smtClean="0"/>
-              <a:t>9/27/21</a:t>
+              <a:t>9/28/2021</a:t>
             </a:fld>
             <a:endParaRPr lang="en-US"/>
           </a:p>
@@ -4334,7 +4334,7 @@
           <a:p>
             <a:fld id="{950AC483-6FA8-4BD4-9273-882CA8632808}" type="datetimeFigureOut">
               <a:rPr lang="en-US" smtClean="0"/>
-              <a:t>9/27/21</a:t>
+              <a:t>9/28/2021</a:t>
             </a:fld>
             <a:endParaRPr lang="en-US"/>
           </a:p>
@@ -4657,7 +4657,7 @@
           <a:p>
             <a:fld id="{950AC483-6FA8-4BD4-9273-882CA8632808}" type="datetimeFigureOut">
               <a:rPr lang="en-US" smtClean="0"/>
-              <a:t>9/27/21</a:t>
+              <a:t>9/28/2021</a:t>
             </a:fld>
             <a:endParaRPr lang="en-US"/>
           </a:p>
@@ -5046,7 +5046,7 @@
           <a:p>
             <a:fld id="{950AC483-6FA8-4BD4-9273-882CA8632808}" type="datetimeFigureOut">
               <a:rPr lang="en-US" smtClean="0"/>
-              <a:t>9/27/21</a:t>
+              <a:t>9/28/2021</a:t>
             </a:fld>
             <a:endParaRPr lang="en-US"/>
           </a:p>
@@ -5422,7 +5422,7 @@
           <a:p>
             <a:fld id="{950AC483-6FA8-4BD4-9273-882CA8632808}" type="datetimeFigureOut">
               <a:rPr lang="en-US" smtClean="0"/>
-              <a:t>9/27/21</a:t>
+              <a:t>9/28/2021</a:t>
             </a:fld>
             <a:endParaRPr lang="en-US"/>
           </a:p>
@@ -5928,7 +5928,7 @@
           <a:p>
             <a:fld id="{950AC483-6FA8-4BD4-9273-882CA8632808}" type="datetimeFigureOut">
               <a:rPr lang="en-US" smtClean="0"/>
-              <a:t>9/27/21</a:t>
+              <a:t>9/28/2021</a:t>
             </a:fld>
             <a:endParaRPr lang="en-US"/>
           </a:p>
@@ -6185,7 +6185,7 @@
           <a:p>
             <a:fld id="{950AC483-6FA8-4BD4-9273-882CA8632808}" type="datetimeFigureOut">
               <a:rPr lang="en-US" smtClean="0"/>
-              <a:t>9/27/21</a:t>
+              <a:t>9/28/2021</a:t>
             </a:fld>
             <a:endParaRPr lang="en-US"/>
           </a:p>
@@ -6348,7 +6348,7 @@
           <a:p>
             <a:fld id="{950AC483-6FA8-4BD4-9273-882CA8632808}" type="datetimeFigureOut">
               <a:rPr lang="en-US" smtClean="0"/>
-              <a:t>9/27/21</a:t>
+              <a:t>9/28/2021</a:t>
             </a:fld>
             <a:endParaRPr lang="en-US"/>
           </a:p>
@@ -6738,7 +6738,7 @@
           <a:p>
             <a:fld id="{950AC483-6FA8-4BD4-9273-882CA8632808}" type="datetimeFigureOut">
               <a:rPr lang="en-US" smtClean="0"/>
-              <a:t>9/27/21</a:t>
+              <a:t>9/28/2021</a:t>
             </a:fld>
             <a:endParaRPr lang="en-US"/>
           </a:p>
@@ -7147,7 +7147,7 @@
           <a:p>
             <a:fld id="{950AC483-6FA8-4BD4-9273-882CA8632808}" type="datetimeFigureOut">
               <a:rPr lang="en-US" smtClean="0"/>
-              <a:t>9/27/21</a:t>
+              <a:t>9/28/2021</a:t>
             </a:fld>
             <a:endParaRPr lang="en-US"/>
           </a:p>
@@ -7391,7 +7391,7 @@
           <a:p>
             <a:fld id="{950AC483-6FA8-4BD4-9273-882CA8632808}" type="datetimeFigureOut">
               <a:rPr lang="en-US" smtClean="0"/>
-              <a:t>9/27/21</a:t>
+              <a:t>9/28/2021</a:t>
             </a:fld>
             <a:endParaRPr lang="en-US"/>
           </a:p>
@@ -12915,7 +12915,7 @@
         </p:spPr>
         <p:txBody>
           <a:bodyPr>
-            <a:normAutofit/>
+            <a:normAutofit lnSpcReduction="10000"/>
           </a:bodyPr>
           <a:lstStyle/>
           <a:p>
@@ -13017,24 +13017,6 @@
               <a:rPr lang="en-US" b="0" i="0" u="none" strike="noStrike" dirty="0">
                 <a:effectLst/>
               </a:rPr>
-              <a:t>Complex compiler, simpler binaries</a:t>
-            </a:r>
-          </a:p>
-          <a:p>
-            <a:pPr rtl="0" fontAlgn="base">
-              <a:spcBef>
-                <a:spcPts val="0"/>
-              </a:spcBef>
-              <a:spcAft>
-                <a:spcPts val="0"/>
-              </a:spcAft>
-              <a:buFont typeface="Arial" panose="020B0604020202020204" pitchFamily="34" charset="0"/>
-              <a:buChar char="•"/>
-            </a:pPr>
-            <a:r>
-              <a:rPr lang="en-US" b="0" i="0" u="none" strike="noStrike" dirty="0">
-                <a:effectLst/>
-              </a:rPr>
               <a:t>Efficiency</a:t>
             </a:r>
           </a:p>
@@ -13114,6 +13096,22 @@
                 <a:effectLst/>
               </a:rPr>
               <a:t>Once a variable is out of scope, the memory associated with it is usually reclaimed automatically</a:t>
+            </a:r>
+          </a:p>
+          <a:p>
+            <a:pPr fontAlgn="base">
+              <a:spcBef>
+                <a:spcPts val="0"/>
+              </a:spcBef>
+              <a:spcAft>
+                <a:spcPts val="1200"/>
+              </a:spcAft>
+            </a:pPr>
+            <a:r>
+              <a:rPr lang="en-US" b="0" i="0" u="none" strike="noStrike" dirty="0">
+                <a:effectLst/>
+              </a:rPr>
+              <a:t>Complex compiler, simpler binaries</a:t>
             </a:r>
           </a:p>
           <a:p>
@@ -14313,7 +14311,7 @@
           <a:p>
             <a:r>
               <a:rPr lang="en-US" dirty="0"/>
-              <a:t>Types inspired by C, ML, and Lisp</a:t>
+              <a:t>Types inspired by C and ML</a:t>
             </a:r>
           </a:p>
           <a:p>
